--- a/Training/LabVIEW-02/FRC-4150-LabVIEW-Training-MODULE-02-2023-10-31.pptx
+++ b/Training/LabVIEW-02/FRC-4150-LabVIEW-Training-MODULE-02-2023-10-31.pptx
@@ -348,7 +348,7 @@
             <a:pPr indent="0" algn="r">
               <a:buNone/>
             </a:pPr>
-            <a:fld id="{AED76A40-7B3F-4FD5-A81C-708500000334}" type="slidenum">
+            <a:fld id="{20352ED1-0A88-4464-8463-1F20A5DFB0A8}" type="slidenum">
               <a:rPr b="0" lang="en-US" sz="1400" spc="-1" strike="noStrike">
                 <a:solidFill>
                   <a:srgbClr val="000000"/>
@@ -391,7 +391,7 @@
       </p:grpSpPr>
       <p:sp>
         <p:nvSpPr>
-          <p:cNvPr id="190" name="PlaceHolder 1"/>
+          <p:cNvPr id="193" name="PlaceHolder 1"/>
           <p:cNvSpPr>
             <a:spLocks noGrp="1"/>
           </p:cNvSpPr>
@@ -402,19 +402,19 @@
         <p:spPr>
           <a:xfrm>
             <a:off x="1257480" y="720720"/>
-            <a:ext cx="4799160" cy="3598920"/>
-          </a:xfrm>
-          <a:prstGeom prst="rect">
-            <a:avLst/>
-          </a:prstGeom>
-          <a:ln w="0">
-            <a:noFill/>
-          </a:ln>
-        </p:spPr>
-      </p:sp>
-      <p:sp>
-        <p:nvSpPr>
-          <p:cNvPr id="191" name="PlaceHolder 2"/>
+            <a:ext cx="4798800" cy="3598560"/>
+          </a:xfrm>
+          <a:prstGeom prst="rect">
+            <a:avLst/>
+          </a:prstGeom>
+          <a:ln w="0">
+            <a:noFill/>
+          </a:ln>
+        </p:spPr>
+      </p:sp>
+      <p:sp>
+        <p:nvSpPr>
+          <p:cNvPr id="194" name="PlaceHolder 2"/>
           <p:cNvSpPr>
             <a:spLocks noGrp="1"/>
           </p:cNvSpPr>
@@ -425,7 +425,7 @@
         <p:spPr>
           <a:xfrm>
             <a:off x="731880" y="4560840"/>
-            <a:ext cx="5850000" cy="4318200"/>
+            <a:ext cx="5849640" cy="4317840"/>
           </a:xfrm>
           <a:prstGeom prst="rect">
             <a:avLst/>
@@ -454,7 +454,7 @@
       </p:sp>
       <p:sp>
         <p:nvSpPr>
-          <p:cNvPr id="192" name="PlaceHolder 3"/>
+          <p:cNvPr id="195" name="PlaceHolder 3"/>
           <p:cNvSpPr>
             <a:spLocks noGrp="1"/>
           </p:cNvSpPr>
@@ -465,7 +465,7 @@
         <p:spPr>
           <a:xfrm>
             <a:off x="4143240" y="0"/>
-            <a:ext cx="3168720" cy="478080"/>
+            <a:ext cx="3168360" cy="477720"/>
           </a:xfrm>
           <a:prstGeom prst="rect">
             <a:avLst/>
@@ -528,7 +528,7 @@
       </p:sp>
       <p:sp>
         <p:nvSpPr>
-          <p:cNvPr id="193" name="PlaceHolder 4"/>
+          <p:cNvPr id="196" name="PlaceHolder 4"/>
           <p:cNvSpPr>
             <a:spLocks noGrp="1"/>
           </p:cNvSpPr>
@@ -539,7 +539,7 @@
         <p:spPr>
           <a:xfrm>
             <a:off x="0" y="9120240"/>
-            <a:ext cx="3168720" cy="478080"/>
+            <a:ext cx="3168360" cy="477720"/>
           </a:xfrm>
           <a:prstGeom prst="rect">
             <a:avLst/>
@@ -602,7 +602,7 @@
       </p:sp>
       <p:sp>
         <p:nvSpPr>
-          <p:cNvPr id="194" name="PlaceHolder 5"/>
+          <p:cNvPr id="197" name="PlaceHolder 5"/>
           <p:cNvSpPr>
             <a:spLocks noGrp="1"/>
           </p:cNvSpPr>
@@ -613,7 +613,7 @@
         <p:spPr>
           <a:xfrm>
             <a:off x="4143240" y="9120240"/>
-            <a:ext cx="3168720" cy="478080"/>
+            <a:ext cx="3168360" cy="477720"/>
           </a:xfrm>
           <a:prstGeom prst="rect">
             <a:avLst/>
@@ -655,7 +655,7 @@
                 <a:tab algn="l" pos="0"/>
               </a:tabLst>
             </a:pPr>
-            <a:fld id="{304BC0C1-FF47-46FD-B189-6F575F9AA281}" type="slidenum">
+            <a:fld id="{6779F50A-3317-4397-9701-5D3F03DD264F}" type="slidenum">
               <a:rPr b="0" lang="en-US" sz="1300" spc="-1" strike="noStrike">
                 <a:solidFill>
                   <a:srgbClr val="000000"/>
@@ -698,7 +698,7 @@
       </p:grpSpPr>
       <p:sp>
         <p:nvSpPr>
-          <p:cNvPr id="195" name="PlaceHolder 1"/>
+          <p:cNvPr id="198" name="PlaceHolder 1"/>
           <p:cNvSpPr>
             <a:spLocks noGrp="1"/>
           </p:cNvSpPr>
@@ -709,19 +709,19 @@
         <p:spPr>
           <a:xfrm>
             <a:off x="1257480" y="720720"/>
-            <a:ext cx="4799160" cy="3598920"/>
-          </a:xfrm>
-          <a:prstGeom prst="rect">
-            <a:avLst/>
-          </a:prstGeom>
-          <a:ln w="0">
-            <a:noFill/>
-          </a:ln>
-        </p:spPr>
-      </p:sp>
-      <p:sp>
-        <p:nvSpPr>
-          <p:cNvPr id="196" name="PlaceHolder 2"/>
+            <a:ext cx="4798800" cy="3598560"/>
+          </a:xfrm>
+          <a:prstGeom prst="rect">
+            <a:avLst/>
+          </a:prstGeom>
+          <a:ln w="0">
+            <a:noFill/>
+          </a:ln>
+        </p:spPr>
+      </p:sp>
+      <p:sp>
+        <p:nvSpPr>
+          <p:cNvPr id="199" name="PlaceHolder 2"/>
           <p:cNvSpPr>
             <a:spLocks noGrp="1"/>
           </p:cNvSpPr>
@@ -732,7 +732,7 @@
         <p:spPr>
           <a:xfrm>
             <a:off x="228600" y="4560840"/>
-            <a:ext cx="6857640" cy="4318200"/>
+            <a:ext cx="6857280" cy="4317840"/>
           </a:xfrm>
           <a:prstGeom prst="rect">
             <a:avLst/>
@@ -1574,7 +1574,7 @@
       </p:sp>
       <p:sp>
         <p:nvSpPr>
-          <p:cNvPr id="197" name="PlaceHolder 3"/>
+          <p:cNvPr id="200" name="PlaceHolder 3"/>
           <p:cNvSpPr>
             <a:spLocks noGrp="1"/>
           </p:cNvSpPr>
@@ -1585,7 +1585,7 @@
         <p:spPr>
           <a:xfrm>
             <a:off x="4143240" y="0"/>
-            <a:ext cx="3168720" cy="478080"/>
+            <a:ext cx="3168360" cy="477720"/>
           </a:xfrm>
           <a:prstGeom prst="rect">
             <a:avLst/>
@@ -1648,7 +1648,7 @@
       </p:sp>
       <p:sp>
         <p:nvSpPr>
-          <p:cNvPr id="198" name="PlaceHolder 4"/>
+          <p:cNvPr id="201" name="PlaceHolder 4"/>
           <p:cNvSpPr>
             <a:spLocks noGrp="1"/>
           </p:cNvSpPr>
@@ -1659,7 +1659,7 @@
         <p:spPr>
           <a:xfrm>
             <a:off x="0" y="9120240"/>
-            <a:ext cx="3168720" cy="478080"/>
+            <a:ext cx="3168360" cy="477720"/>
           </a:xfrm>
           <a:prstGeom prst="rect">
             <a:avLst/>
@@ -1722,7 +1722,7 @@
       </p:sp>
       <p:sp>
         <p:nvSpPr>
-          <p:cNvPr id="199" name="PlaceHolder 5"/>
+          <p:cNvPr id="202" name="PlaceHolder 5"/>
           <p:cNvSpPr>
             <a:spLocks noGrp="1"/>
           </p:cNvSpPr>
@@ -1733,7 +1733,7 @@
         <p:spPr>
           <a:xfrm>
             <a:off x="4143240" y="9120240"/>
-            <a:ext cx="3168720" cy="478080"/>
+            <a:ext cx="3168360" cy="477720"/>
           </a:xfrm>
           <a:prstGeom prst="rect">
             <a:avLst/>
@@ -1775,7 +1775,7 @@
                 <a:tab algn="l" pos="0"/>
               </a:tabLst>
             </a:pPr>
-            <a:fld id="{3EA93ABA-482A-4295-B8D0-693B6A5197B4}" type="slidenum">
+            <a:fld id="{118715AE-5C47-4614-B383-CC453F880F4D}" type="slidenum">
               <a:rPr b="0" lang="en-US" sz="1300" spc="-1" strike="noStrike">
                 <a:solidFill>
                   <a:srgbClr val="000000"/>
@@ -1818,7 +1818,7 @@
       </p:grpSpPr>
       <p:sp>
         <p:nvSpPr>
-          <p:cNvPr id="200" name="PlaceHolder 1"/>
+          <p:cNvPr id="203" name="PlaceHolder 1"/>
           <p:cNvSpPr>
             <a:spLocks noGrp="1"/>
           </p:cNvSpPr>
@@ -1829,19 +1829,19 @@
         <p:spPr>
           <a:xfrm>
             <a:off x="1257480" y="720720"/>
-            <a:ext cx="4799160" cy="3598920"/>
-          </a:xfrm>
-          <a:prstGeom prst="rect">
-            <a:avLst/>
-          </a:prstGeom>
-          <a:ln w="0">
-            <a:noFill/>
-          </a:ln>
-        </p:spPr>
-      </p:sp>
-      <p:sp>
-        <p:nvSpPr>
-          <p:cNvPr id="201" name="PlaceHolder 2"/>
+            <a:ext cx="4798800" cy="3598560"/>
+          </a:xfrm>
+          <a:prstGeom prst="rect">
+            <a:avLst/>
+          </a:prstGeom>
+          <a:ln w="0">
+            <a:noFill/>
+          </a:ln>
+        </p:spPr>
+      </p:sp>
+      <p:sp>
+        <p:nvSpPr>
+          <p:cNvPr id="204" name="PlaceHolder 2"/>
           <p:cNvSpPr>
             <a:spLocks noGrp="1"/>
           </p:cNvSpPr>
@@ -1852,7 +1852,7 @@
         <p:spPr>
           <a:xfrm>
             <a:off x="731880" y="4524840"/>
-            <a:ext cx="5850000" cy="4318200"/>
+            <a:ext cx="5849640" cy="4317840"/>
           </a:xfrm>
           <a:prstGeom prst="rect">
             <a:avLst/>
@@ -3786,7 +3786,7 @@
       </p:sp>
       <p:sp>
         <p:nvSpPr>
-          <p:cNvPr id="202" name="PlaceHolder 3"/>
+          <p:cNvPr id="205" name="PlaceHolder 3"/>
           <p:cNvSpPr>
             <a:spLocks noGrp="1"/>
           </p:cNvSpPr>
@@ -3797,7 +3797,7 @@
         <p:spPr>
           <a:xfrm>
             <a:off x="4143240" y="0"/>
-            <a:ext cx="3168720" cy="478080"/>
+            <a:ext cx="3168360" cy="477720"/>
           </a:xfrm>
           <a:prstGeom prst="rect">
             <a:avLst/>
@@ -3860,7 +3860,7 @@
       </p:sp>
       <p:sp>
         <p:nvSpPr>
-          <p:cNvPr id="203" name="PlaceHolder 4"/>
+          <p:cNvPr id="206" name="PlaceHolder 4"/>
           <p:cNvSpPr>
             <a:spLocks noGrp="1"/>
           </p:cNvSpPr>
@@ -3871,7 +3871,7 @@
         <p:spPr>
           <a:xfrm>
             <a:off x="0" y="9120240"/>
-            <a:ext cx="3168720" cy="478080"/>
+            <a:ext cx="3168360" cy="477720"/>
           </a:xfrm>
           <a:prstGeom prst="rect">
             <a:avLst/>
@@ -3934,7 +3934,7 @@
       </p:sp>
       <p:sp>
         <p:nvSpPr>
-          <p:cNvPr id="204" name="PlaceHolder 5"/>
+          <p:cNvPr id="207" name="PlaceHolder 5"/>
           <p:cNvSpPr>
             <a:spLocks noGrp="1"/>
           </p:cNvSpPr>
@@ -3945,7 +3945,7 @@
         <p:spPr>
           <a:xfrm>
             <a:off x="4143240" y="9120240"/>
-            <a:ext cx="3168720" cy="478080"/>
+            <a:ext cx="3168360" cy="477720"/>
           </a:xfrm>
           <a:prstGeom prst="rect">
             <a:avLst/>
@@ -3987,7 +3987,7 @@
                 <a:tab algn="l" pos="0"/>
               </a:tabLst>
             </a:pPr>
-            <a:fld id="{3DF3FECC-2799-4E5C-84E3-59EEB79FD21A}" type="slidenum">
+            <a:fld id="{189B2103-136B-4FB0-BF4E-49DB33EE8EA7}" type="slidenum">
               <a:rPr b="0" lang="en-US" sz="1300" spc="-1" strike="noStrike">
                 <a:solidFill>
                   <a:srgbClr val="000000"/>
@@ -4030,7 +4030,7 @@
       </p:grpSpPr>
       <p:sp>
         <p:nvSpPr>
-          <p:cNvPr id="205" name="PlaceHolder 1"/>
+          <p:cNvPr id="208" name="PlaceHolder 1"/>
           <p:cNvSpPr>
             <a:spLocks noGrp="1"/>
           </p:cNvSpPr>
@@ -4041,19 +4041,19 @@
         <p:spPr>
           <a:xfrm>
             <a:off x="1257480" y="720720"/>
-            <a:ext cx="4799160" cy="3598920"/>
-          </a:xfrm>
-          <a:prstGeom prst="rect">
-            <a:avLst/>
-          </a:prstGeom>
-          <a:ln w="0">
-            <a:noFill/>
-          </a:ln>
-        </p:spPr>
-      </p:sp>
-      <p:sp>
-        <p:nvSpPr>
-          <p:cNvPr id="206" name="PlaceHolder 2"/>
+            <a:ext cx="4798800" cy="3598560"/>
+          </a:xfrm>
+          <a:prstGeom prst="rect">
+            <a:avLst/>
+          </a:prstGeom>
+          <a:ln w="0">
+            <a:noFill/>
+          </a:ln>
+        </p:spPr>
+      </p:sp>
+      <p:sp>
+        <p:nvSpPr>
+          <p:cNvPr id="209" name="PlaceHolder 2"/>
           <p:cNvSpPr>
             <a:spLocks noGrp="1"/>
           </p:cNvSpPr>
@@ -4064,7 +4064,7 @@
         <p:spPr>
           <a:xfrm>
             <a:off x="731880" y="4560840"/>
-            <a:ext cx="5850000" cy="4318200"/>
+            <a:ext cx="5849640" cy="4317840"/>
           </a:xfrm>
           <a:prstGeom prst="rect">
             <a:avLst/>
@@ -7699,7 +7699,7 @@
       </p:sp>
       <p:sp>
         <p:nvSpPr>
-          <p:cNvPr id="207" name="PlaceHolder 3"/>
+          <p:cNvPr id="210" name="PlaceHolder 3"/>
           <p:cNvSpPr>
             <a:spLocks noGrp="1"/>
           </p:cNvSpPr>
@@ -7710,7 +7710,7 @@
         <p:spPr>
           <a:xfrm>
             <a:off x="4143240" y="0"/>
-            <a:ext cx="3168720" cy="478080"/>
+            <a:ext cx="3168360" cy="477720"/>
           </a:xfrm>
           <a:prstGeom prst="rect">
             <a:avLst/>
@@ -7773,7 +7773,7 @@
       </p:sp>
       <p:sp>
         <p:nvSpPr>
-          <p:cNvPr id="208" name="PlaceHolder 4"/>
+          <p:cNvPr id="211" name="PlaceHolder 4"/>
           <p:cNvSpPr>
             <a:spLocks noGrp="1"/>
           </p:cNvSpPr>
@@ -7784,7 +7784,7 @@
         <p:spPr>
           <a:xfrm>
             <a:off x="0" y="9120240"/>
-            <a:ext cx="3168720" cy="478080"/>
+            <a:ext cx="3168360" cy="477720"/>
           </a:xfrm>
           <a:prstGeom prst="rect">
             <a:avLst/>
@@ -7847,7 +7847,7 @@
       </p:sp>
       <p:sp>
         <p:nvSpPr>
-          <p:cNvPr id="209" name="PlaceHolder 5"/>
+          <p:cNvPr id="212" name="PlaceHolder 5"/>
           <p:cNvSpPr>
             <a:spLocks noGrp="1"/>
           </p:cNvSpPr>
@@ -7858,7 +7858,7 @@
         <p:spPr>
           <a:xfrm>
             <a:off x="4143240" y="9120240"/>
-            <a:ext cx="3168720" cy="478080"/>
+            <a:ext cx="3168360" cy="477720"/>
           </a:xfrm>
           <a:prstGeom prst="rect">
             <a:avLst/>
@@ -7900,7 +7900,7 @@
                 <a:tab algn="l" pos="0"/>
               </a:tabLst>
             </a:pPr>
-            <a:fld id="{9AB1AF57-A344-4258-86B4-FC38BDD7FCC2}" type="slidenum">
+            <a:fld id="{35C8B105-FB10-4DB1-BD65-0F464E120831}" type="slidenum">
               <a:rPr b="0" lang="en-US" sz="1300" spc="-1" strike="noStrike">
                 <a:solidFill>
                   <a:srgbClr val="000000"/>
@@ -7943,7 +7943,7 @@
       </p:grpSpPr>
       <p:sp>
         <p:nvSpPr>
-          <p:cNvPr id="210" name="PlaceHolder 1"/>
+          <p:cNvPr id="213" name="PlaceHolder 1"/>
           <p:cNvSpPr>
             <a:spLocks noGrp="1"/>
           </p:cNvSpPr>
@@ -7954,19 +7954,19 @@
         <p:spPr>
           <a:xfrm>
             <a:off x="1257480" y="720720"/>
-            <a:ext cx="4799160" cy="3598920"/>
-          </a:xfrm>
-          <a:prstGeom prst="rect">
-            <a:avLst/>
-          </a:prstGeom>
-          <a:ln w="0">
-            <a:noFill/>
-          </a:ln>
-        </p:spPr>
-      </p:sp>
-      <p:sp>
-        <p:nvSpPr>
-          <p:cNvPr id="211" name="PlaceHolder 2"/>
+            <a:ext cx="4798800" cy="3598560"/>
+          </a:xfrm>
+          <a:prstGeom prst="rect">
+            <a:avLst/>
+          </a:prstGeom>
+          <a:ln w="0">
+            <a:noFill/>
+          </a:ln>
+        </p:spPr>
+      </p:sp>
+      <p:sp>
+        <p:nvSpPr>
+          <p:cNvPr id="214" name="PlaceHolder 2"/>
           <p:cNvSpPr>
             <a:spLocks noGrp="1"/>
           </p:cNvSpPr>
@@ -7977,7 +7977,7 @@
         <p:spPr>
           <a:xfrm>
             <a:off x="731880" y="4560840"/>
-            <a:ext cx="5850000" cy="4318200"/>
+            <a:ext cx="5849640" cy="4317840"/>
           </a:xfrm>
           <a:prstGeom prst="rect">
             <a:avLst/>
@@ -8006,7 +8006,7 @@
       </p:sp>
       <p:sp>
         <p:nvSpPr>
-          <p:cNvPr id="212" name="PlaceHolder 3"/>
+          <p:cNvPr id="215" name="PlaceHolder 3"/>
           <p:cNvSpPr>
             <a:spLocks noGrp="1"/>
           </p:cNvSpPr>
@@ -8017,7 +8017,7 @@
         <p:spPr>
           <a:xfrm>
             <a:off x="4143240" y="0"/>
-            <a:ext cx="3168720" cy="478080"/>
+            <a:ext cx="3168360" cy="477720"/>
           </a:xfrm>
           <a:prstGeom prst="rect">
             <a:avLst/>
@@ -8080,7 +8080,7 @@
       </p:sp>
       <p:sp>
         <p:nvSpPr>
-          <p:cNvPr id="213" name="PlaceHolder 4"/>
+          <p:cNvPr id="216" name="PlaceHolder 4"/>
           <p:cNvSpPr>
             <a:spLocks noGrp="1"/>
           </p:cNvSpPr>
@@ -8091,7 +8091,7 @@
         <p:spPr>
           <a:xfrm>
             <a:off x="0" y="9120240"/>
-            <a:ext cx="3168720" cy="478080"/>
+            <a:ext cx="3168360" cy="477720"/>
           </a:xfrm>
           <a:prstGeom prst="rect">
             <a:avLst/>
@@ -8154,7 +8154,7 @@
       </p:sp>
       <p:sp>
         <p:nvSpPr>
-          <p:cNvPr id="214" name="PlaceHolder 5"/>
+          <p:cNvPr id="217" name="PlaceHolder 5"/>
           <p:cNvSpPr>
             <a:spLocks noGrp="1"/>
           </p:cNvSpPr>
@@ -8165,7 +8165,7 @@
         <p:spPr>
           <a:xfrm>
             <a:off x="4143240" y="9120240"/>
-            <a:ext cx="3168720" cy="478080"/>
+            <a:ext cx="3168360" cy="477720"/>
           </a:xfrm>
           <a:prstGeom prst="rect">
             <a:avLst/>
@@ -8207,7 +8207,7 @@
                 <a:tab algn="l" pos="0"/>
               </a:tabLst>
             </a:pPr>
-            <a:fld id="{1DB8BC96-DBD4-4843-A1C2-FB0E9BD9B21D}" type="slidenum">
+            <a:fld id="{C3F66B28-B855-4C8B-92EF-E4C2028F9B83}" type="slidenum">
               <a:rPr b="0" lang="en-US" sz="1300" spc="-1" strike="noStrike">
                 <a:solidFill>
                   <a:srgbClr val="000000"/>
@@ -8250,7 +8250,7 @@
       </p:grpSpPr>
       <p:sp>
         <p:nvSpPr>
-          <p:cNvPr id="215" name="PlaceHolder 1"/>
+          <p:cNvPr id="218" name="PlaceHolder 1"/>
           <p:cNvSpPr>
             <a:spLocks noGrp="1"/>
           </p:cNvSpPr>
@@ -8261,19 +8261,19 @@
         <p:spPr>
           <a:xfrm>
             <a:off x="1257480" y="720720"/>
-            <a:ext cx="4799160" cy="3598920"/>
-          </a:xfrm>
-          <a:prstGeom prst="rect">
-            <a:avLst/>
-          </a:prstGeom>
-          <a:ln w="0">
-            <a:noFill/>
-          </a:ln>
-        </p:spPr>
-      </p:sp>
-      <p:sp>
-        <p:nvSpPr>
-          <p:cNvPr id="216" name="PlaceHolder 2"/>
+            <a:ext cx="4798800" cy="3598560"/>
+          </a:xfrm>
+          <a:prstGeom prst="rect">
+            <a:avLst/>
+          </a:prstGeom>
+          <a:ln w="0">
+            <a:noFill/>
+          </a:ln>
+        </p:spPr>
+      </p:sp>
+      <p:sp>
+        <p:nvSpPr>
+          <p:cNvPr id="219" name="PlaceHolder 2"/>
           <p:cNvSpPr>
             <a:spLocks noGrp="1"/>
           </p:cNvSpPr>
@@ -8284,7 +8284,7 @@
         <p:spPr>
           <a:xfrm>
             <a:off x="731880" y="4560840"/>
-            <a:ext cx="5850000" cy="4318200"/>
+            <a:ext cx="5849640" cy="4317840"/>
           </a:xfrm>
           <a:prstGeom prst="rect">
             <a:avLst/>
@@ -8313,7 +8313,7 @@
       </p:sp>
       <p:sp>
         <p:nvSpPr>
-          <p:cNvPr id="217" name="PlaceHolder 3"/>
+          <p:cNvPr id="220" name="PlaceHolder 3"/>
           <p:cNvSpPr>
             <a:spLocks noGrp="1"/>
           </p:cNvSpPr>
@@ -8324,7 +8324,7 @@
         <p:spPr>
           <a:xfrm>
             <a:off x="4143240" y="0"/>
-            <a:ext cx="3168720" cy="478080"/>
+            <a:ext cx="3168360" cy="477720"/>
           </a:xfrm>
           <a:prstGeom prst="rect">
             <a:avLst/>
@@ -8387,7 +8387,7 @@
       </p:sp>
       <p:sp>
         <p:nvSpPr>
-          <p:cNvPr id="218" name="PlaceHolder 4"/>
+          <p:cNvPr id="221" name="PlaceHolder 4"/>
           <p:cNvSpPr>
             <a:spLocks noGrp="1"/>
           </p:cNvSpPr>
@@ -8398,7 +8398,7 @@
         <p:spPr>
           <a:xfrm>
             <a:off x="0" y="9120240"/>
-            <a:ext cx="3168720" cy="478080"/>
+            <a:ext cx="3168360" cy="477720"/>
           </a:xfrm>
           <a:prstGeom prst="rect">
             <a:avLst/>
@@ -8461,7 +8461,7 @@
       </p:sp>
       <p:sp>
         <p:nvSpPr>
-          <p:cNvPr id="219" name="PlaceHolder 5"/>
+          <p:cNvPr id="222" name="PlaceHolder 5"/>
           <p:cNvSpPr>
             <a:spLocks noGrp="1"/>
           </p:cNvSpPr>
@@ -8472,7 +8472,7 @@
         <p:spPr>
           <a:xfrm>
             <a:off x="4143240" y="9120240"/>
-            <a:ext cx="3168720" cy="478080"/>
+            <a:ext cx="3168360" cy="477720"/>
           </a:xfrm>
           <a:prstGeom prst="rect">
             <a:avLst/>
@@ -8514,7 +8514,7 @@
                 <a:tab algn="l" pos="0"/>
               </a:tabLst>
             </a:pPr>
-            <a:fld id="{FA67E031-2D41-4333-AAF0-B1DF57B68044}" type="slidenum">
+            <a:fld id="{66248D30-2069-4991-8C53-9F06FA409783}" type="slidenum">
               <a:rPr b="0" lang="en-US" sz="1300" spc="-1" strike="noStrike">
                 <a:solidFill>
                   <a:srgbClr val="000000"/>
@@ -8557,7 +8557,7 @@
       </p:grpSpPr>
       <p:sp>
         <p:nvSpPr>
-          <p:cNvPr id="220" name="PlaceHolder 1"/>
+          <p:cNvPr id="223" name="PlaceHolder 1"/>
           <p:cNvSpPr>
             <a:spLocks noGrp="1"/>
           </p:cNvSpPr>
@@ -8568,19 +8568,19 @@
         <p:spPr>
           <a:xfrm>
             <a:off x="1257480" y="720720"/>
-            <a:ext cx="4799160" cy="3598920"/>
-          </a:xfrm>
-          <a:prstGeom prst="rect">
-            <a:avLst/>
-          </a:prstGeom>
-          <a:ln w="0">
-            <a:noFill/>
-          </a:ln>
-        </p:spPr>
-      </p:sp>
-      <p:sp>
-        <p:nvSpPr>
-          <p:cNvPr id="221" name="PlaceHolder 2"/>
+            <a:ext cx="4798800" cy="3598560"/>
+          </a:xfrm>
+          <a:prstGeom prst="rect">
+            <a:avLst/>
+          </a:prstGeom>
+          <a:ln w="0">
+            <a:noFill/>
+          </a:ln>
+        </p:spPr>
+      </p:sp>
+      <p:sp>
+        <p:nvSpPr>
+          <p:cNvPr id="224" name="PlaceHolder 2"/>
           <p:cNvSpPr>
             <a:spLocks noGrp="1"/>
           </p:cNvSpPr>
@@ -8591,7 +8591,7 @@
         <p:spPr>
           <a:xfrm>
             <a:off x="731880" y="4560840"/>
-            <a:ext cx="5850000" cy="4318200"/>
+            <a:ext cx="5849640" cy="4317840"/>
           </a:xfrm>
           <a:prstGeom prst="rect">
             <a:avLst/>
@@ -8620,7 +8620,7 @@
       </p:sp>
       <p:sp>
         <p:nvSpPr>
-          <p:cNvPr id="222" name="PlaceHolder 3"/>
+          <p:cNvPr id="225" name="PlaceHolder 3"/>
           <p:cNvSpPr>
             <a:spLocks noGrp="1"/>
           </p:cNvSpPr>
@@ -8631,7 +8631,7 @@
         <p:spPr>
           <a:xfrm>
             <a:off x="4143240" y="0"/>
-            <a:ext cx="3168720" cy="478080"/>
+            <a:ext cx="3168360" cy="477720"/>
           </a:xfrm>
           <a:prstGeom prst="rect">
             <a:avLst/>
@@ -8694,7 +8694,7 @@
       </p:sp>
       <p:sp>
         <p:nvSpPr>
-          <p:cNvPr id="223" name="PlaceHolder 4"/>
+          <p:cNvPr id="226" name="PlaceHolder 4"/>
           <p:cNvSpPr>
             <a:spLocks noGrp="1"/>
           </p:cNvSpPr>
@@ -8705,7 +8705,7 @@
         <p:spPr>
           <a:xfrm>
             <a:off x="0" y="9120240"/>
-            <a:ext cx="3168720" cy="478080"/>
+            <a:ext cx="3168360" cy="477720"/>
           </a:xfrm>
           <a:prstGeom prst="rect">
             <a:avLst/>
@@ -8768,7 +8768,7 @@
       </p:sp>
       <p:sp>
         <p:nvSpPr>
-          <p:cNvPr id="224" name="PlaceHolder 5"/>
+          <p:cNvPr id="227" name="PlaceHolder 5"/>
           <p:cNvSpPr>
             <a:spLocks noGrp="1"/>
           </p:cNvSpPr>
@@ -8779,7 +8779,7 @@
         <p:spPr>
           <a:xfrm>
             <a:off x="4143240" y="9120240"/>
-            <a:ext cx="3168720" cy="478080"/>
+            <a:ext cx="3168360" cy="477720"/>
           </a:xfrm>
           <a:prstGeom prst="rect">
             <a:avLst/>
@@ -8821,7 +8821,7 @@
                 <a:tab algn="l" pos="0"/>
               </a:tabLst>
             </a:pPr>
-            <a:fld id="{8ADEE8D9-EF1E-4C59-9503-98A1CF60A985}" type="slidenum">
+            <a:fld id="{AB00EFAF-42DD-4700-9412-6B7787B214F2}" type="slidenum">
               <a:rPr b="0" lang="en-US" sz="1300" spc="-1" strike="noStrike">
                 <a:solidFill>
                   <a:srgbClr val="000000"/>
@@ -8864,7 +8864,7 @@
       </p:grpSpPr>
       <p:sp>
         <p:nvSpPr>
-          <p:cNvPr id="225" name="PlaceHolder 1"/>
+          <p:cNvPr id="228" name="PlaceHolder 1"/>
           <p:cNvSpPr>
             <a:spLocks noGrp="1"/>
           </p:cNvSpPr>
@@ -8875,19 +8875,19 @@
         <p:spPr>
           <a:xfrm>
             <a:off x="1257480" y="720720"/>
-            <a:ext cx="4799160" cy="3598920"/>
-          </a:xfrm>
-          <a:prstGeom prst="rect">
-            <a:avLst/>
-          </a:prstGeom>
-          <a:ln w="0">
-            <a:noFill/>
-          </a:ln>
-        </p:spPr>
-      </p:sp>
-      <p:sp>
-        <p:nvSpPr>
-          <p:cNvPr id="226" name="PlaceHolder 2"/>
+            <a:ext cx="4798800" cy="3598560"/>
+          </a:xfrm>
+          <a:prstGeom prst="rect">
+            <a:avLst/>
+          </a:prstGeom>
+          <a:ln w="0">
+            <a:noFill/>
+          </a:ln>
+        </p:spPr>
+      </p:sp>
+      <p:sp>
+        <p:nvSpPr>
+          <p:cNvPr id="229" name="PlaceHolder 2"/>
           <p:cNvSpPr>
             <a:spLocks noGrp="1"/>
           </p:cNvSpPr>
@@ -8898,7 +8898,7 @@
         <p:spPr>
           <a:xfrm>
             <a:off x="731880" y="4560840"/>
-            <a:ext cx="5850000" cy="4318200"/>
+            <a:ext cx="5849640" cy="4317840"/>
           </a:xfrm>
           <a:prstGeom prst="rect">
             <a:avLst/>
@@ -8927,7 +8927,7 @@
       </p:sp>
       <p:sp>
         <p:nvSpPr>
-          <p:cNvPr id="227" name="PlaceHolder 3"/>
+          <p:cNvPr id="230" name="PlaceHolder 3"/>
           <p:cNvSpPr>
             <a:spLocks noGrp="1"/>
           </p:cNvSpPr>
@@ -8938,7 +8938,7 @@
         <p:spPr>
           <a:xfrm>
             <a:off x="4143240" y="0"/>
-            <a:ext cx="3168720" cy="478080"/>
+            <a:ext cx="3168360" cy="477720"/>
           </a:xfrm>
           <a:prstGeom prst="rect">
             <a:avLst/>
@@ -9001,7 +9001,7 @@
       </p:sp>
       <p:sp>
         <p:nvSpPr>
-          <p:cNvPr id="228" name="PlaceHolder 4"/>
+          <p:cNvPr id="231" name="PlaceHolder 4"/>
           <p:cNvSpPr>
             <a:spLocks noGrp="1"/>
           </p:cNvSpPr>
@@ -9012,7 +9012,7 @@
         <p:spPr>
           <a:xfrm>
             <a:off x="0" y="9120240"/>
-            <a:ext cx="3168720" cy="478080"/>
+            <a:ext cx="3168360" cy="477720"/>
           </a:xfrm>
           <a:prstGeom prst="rect">
             <a:avLst/>
@@ -9075,7 +9075,7 @@
       </p:sp>
       <p:sp>
         <p:nvSpPr>
-          <p:cNvPr id="229" name="PlaceHolder 5"/>
+          <p:cNvPr id="232" name="PlaceHolder 5"/>
           <p:cNvSpPr>
             <a:spLocks noGrp="1"/>
           </p:cNvSpPr>
@@ -9086,7 +9086,7 @@
         <p:spPr>
           <a:xfrm>
             <a:off x="4143240" y="9120240"/>
-            <a:ext cx="3168720" cy="478080"/>
+            <a:ext cx="3168360" cy="477720"/>
           </a:xfrm>
           <a:prstGeom prst="rect">
             <a:avLst/>
@@ -9128,7 +9128,7 @@
                 <a:tab algn="l" pos="0"/>
               </a:tabLst>
             </a:pPr>
-            <a:fld id="{DD27D02D-7004-420C-8870-BA6DEA1DE040}" type="slidenum">
+            <a:fld id="{5E515218-A980-4693-8361-FC1C66EF65AB}" type="slidenum">
               <a:rPr b="0" lang="en-US" sz="1300" spc="-1" strike="noStrike">
                 <a:solidFill>
                   <a:srgbClr val="000000"/>
@@ -14507,7 +14507,7 @@
         <p:spPr>
           <a:xfrm>
             <a:off x="1143000" y="6419880"/>
-            <a:ext cx="7999560" cy="436680"/>
+            <a:ext cx="7999200" cy="436320"/>
           </a:xfrm>
           <a:prstGeom prst="rect">
             <a:avLst/>
@@ -14596,7 +14596,7 @@
         <p:spPr>
           <a:xfrm>
             <a:off x="0" y="6419880"/>
-            <a:ext cx="1141560" cy="436680"/>
+            <a:ext cx="1141200" cy="436320"/>
           </a:xfrm>
           <a:prstGeom prst="rect">
             <a:avLst/>
@@ -14647,7 +14647,7 @@
         <p:spPr>
           <a:xfrm>
             <a:off x="76320" y="6477120"/>
-            <a:ext cx="989280" cy="358920"/>
+            <a:ext cx="988920" cy="358560"/>
           </a:xfrm>
           <a:prstGeom prst="rect">
             <a:avLst/>
@@ -14666,7 +14666,7 @@
         <p:spPr>
           <a:xfrm>
             <a:off x="0" y="376200"/>
-            <a:ext cx="9001440" cy="1054440"/>
+            <a:ext cx="9001080" cy="1054080"/>
           </a:xfrm>
           <a:prstGeom prst="rect">
             <a:avLst/>
@@ -14713,7 +14713,7 @@
         <p:spPr>
           <a:xfrm>
             <a:off x="990720" y="380880"/>
-            <a:ext cx="2818080" cy="1054440"/>
+            <a:ext cx="2817720" cy="1054080"/>
           </a:xfrm>
           <a:prstGeom prst="rect">
             <a:avLst/>
@@ -14760,7 +14760,7 @@
         <p:spPr>
           <a:xfrm>
             <a:off x="2298600" y="2928960"/>
-            <a:ext cx="6702480" cy="3490920"/>
+            <a:ext cx="6702120" cy="3490560"/>
           </a:xfrm>
           <a:prstGeom prst="rect">
             <a:avLst/>
@@ -14853,7 +14853,7 @@
         <p:spPr>
           <a:xfrm>
             <a:off x="1085760" y="428040"/>
-            <a:ext cx="2551320" cy="926640"/>
+            <a:ext cx="2550960" cy="926280"/>
           </a:xfrm>
           <a:prstGeom prst="rect">
             <a:avLst/>
@@ -15190,7 +15190,7 @@
         <p:spPr>
           <a:xfrm>
             <a:off x="1143000" y="6419880"/>
-            <a:ext cx="7999560" cy="436680"/>
+            <a:ext cx="7999200" cy="436320"/>
           </a:xfrm>
           <a:prstGeom prst="rect">
             <a:avLst/>
@@ -15279,7 +15279,7 @@
         <p:spPr>
           <a:xfrm>
             <a:off x="0" y="6419880"/>
-            <a:ext cx="1141560" cy="436680"/>
+            <a:ext cx="1141200" cy="436320"/>
           </a:xfrm>
           <a:prstGeom prst="rect">
             <a:avLst/>
@@ -15330,7 +15330,7 @@
         <p:spPr>
           <a:xfrm>
             <a:off x="76320" y="6477120"/>
-            <a:ext cx="989280" cy="358920"/>
+            <a:ext cx="988920" cy="358560"/>
           </a:xfrm>
           <a:prstGeom prst="rect">
             <a:avLst/>
@@ -15353,7 +15353,7 @@
         <p:spPr>
           <a:xfrm>
             <a:off x="76320" y="6477120"/>
-            <a:ext cx="989280" cy="358920"/>
+            <a:ext cx="988920" cy="358560"/>
           </a:xfrm>
           <a:prstGeom prst="rect">
             <a:avLst/>
@@ -15690,7 +15690,7 @@
         <p:spPr>
           <a:xfrm>
             <a:off x="1143000" y="6419880"/>
-            <a:ext cx="7999560" cy="436680"/>
+            <a:ext cx="7999200" cy="436320"/>
           </a:xfrm>
           <a:prstGeom prst="rect">
             <a:avLst/>
@@ -15779,7 +15779,7 @@
         <p:spPr>
           <a:xfrm>
             <a:off x="0" y="6419880"/>
-            <a:ext cx="1141560" cy="436680"/>
+            <a:ext cx="1141200" cy="436320"/>
           </a:xfrm>
           <a:prstGeom prst="rect">
             <a:avLst/>
@@ -15830,7 +15830,7 @@
         <p:spPr>
           <a:xfrm>
             <a:off x="76320" y="6477120"/>
-            <a:ext cx="989280" cy="358920"/>
+            <a:ext cx="988920" cy="358560"/>
           </a:xfrm>
           <a:prstGeom prst="rect">
             <a:avLst/>
@@ -15853,7 +15853,7 @@
         <p:spPr>
           <a:xfrm>
             <a:off x="76320" y="6477120"/>
-            <a:ext cx="989280" cy="358920"/>
+            <a:ext cx="988920" cy="358560"/>
           </a:xfrm>
           <a:prstGeom prst="rect">
             <a:avLst/>
@@ -16187,7 +16187,7 @@
         <p:spPr>
           <a:xfrm>
             <a:off x="3427560" y="2112480"/>
-            <a:ext cx="5548320" cy="583200"/>
+            <a:ext cx="5547960" cy="582840"/>
           </a:xfrm>
           <a:prstGeom prst="rect">
             <a:avLst/>
@@ -16242,7 +16242,7 @@
         <p:spPr>
           <a:xfrm>
             <a:off x="3427560" y="3025800"/>
-            <a:ext cx="5548320" cy="700200"/>
+            <a:ext cx="5547960" cy="699840"/>
           </a:xfrm>
           <a:prstGeom prst="rect">
             <a:avLst/>
@@ -16300,7 +16300,7 @@
         <p:spPr>
           <a:xfrm>
             <a:off x="7315200" y="6095880"/>
-            <a:ext cx="1598760" cy="227160"/>
+            <a:ext cx="1598400" cy="226800"/>
           </a:xfrm>
           <a:prstGeom prst="rect">
             <a:avLst/>
@@ -16372,7 +16372,7 @@
         <p:spPr>
           <a:xfrm>
             <a:off x="2362320" y="6095880"/>
-            <a:ext cx="4799160" cy="243000"/>
+            <a:ext cx="4798800" cy="242640"/>
           </a:xfrm>
           <a:prstGeom prst="rect">
             <a:avLst/>
@@ -16444,7 +16444,7 @@
         <p:spPr>
           <a:xfrm>
             <a:off x="8305920" y="6537240"/>
-            <a:ext cx="836640" cy="166680"/>
+            <a:ext cx="836280" cy="166320"/>
           </a:xfrm>
           <a:prstGeom prst="rect">
             <a:avLst/>
@@ -16485,7 +16485,7 @@
                 <a:tab algn="l" pos="0"/>
               </a:tabLst>
             </a:pPr>
-            <a:fld id="{4F1C4966-E275-4347-9922-67FD19E85C7F}" type="slidenum">
+            <a:fld id="{7312D14E-350E-483E-88B5-49030638DFD7}" type="slidenum">
               <a:rPr b="0" lang="en-US" sz="1400" spc="-1" strike="noStrike">
                 <a:solidFill>
                   <a:srgbClr val="000000"/>
@@ -16546,7 +16546,7 @@
         <p:spPr>
           <a:xfrm>
             <a:off x="338040" y="318960"/>
-            <a:ext cx="8453520" cy="578160"/>
+            <a:ext cx="8453160" cy="577800"/>
           </a:xfrm>
           <a:prstGeom prst="rect">
             <a:avLst/>
@@ -16601,7 +16601,7 @@
         <p:spPr>
           <a:xfrm>
             <a:off x="338040" y="1065240"/>
-            <a:ext cx="8348760" cy="5181840"/>
+            <a:ext cx="8348400" cy="1677960"/>
           </a:xfrm>
           <a:prstGeom prst="rect">
             <a:avLst/>
@@ -16658,7 +16658,7 @@
                 <a:srgbClr val="000000"/>
               </a:buClr>
               <a:buSzPct val="75000"/>
-              <a:buFont typeface="Symbol" charset="2"/>
+              <a:buFont typeface="Symbol"/>
               <a:buChar char=""/>
             </a:pPr>
             <a:r>
@@ -16708,6 +16708,247 @@
               <a:latin typeface="Arial"/>
             </a:endParaRPr>
           </a:p>
+        </p:txBody>
+      </p:sp>
+      <p:sp>
+        <p:nvSpPr>
+          <p:cNvPr id="146" name="PlaceHolder 3"/>
+          <p:cNvSpPr>
+            <a:spLocks noGrp="1"/>
+          </p:cNvSpPr>
+          <p:nvPr>
+            <p:ph type="ftr" idx="7"/>
+          </p:nvPr>
+        </p:nvSpPr>
+        <p:spPr>
+          <a:xfrm>
+            <a:off x="1371600" y="6553080"/>
+            <a:ext cx="4646520" cy="166320"/>
+          </a:xfrm>
+          <a:prstGeom prst="rect">
+            <a:avLst/>
+          </a:prstGeom>
+          <a:noFill/>
+          <a:ln w="0">
+            <a:noFill/>
+          </a:ln>
+        </p:spPr>
+        <p:txBody>
+          <a:bodyPr lIns="90000" rIns="90000" tIns="45000" bIns="45000" anchor="ctr">
+            <a:noAutofit/>
+          </a:bodyPr>
+          <a:lstStyle>
+            <a:lvl1pPr indent="0" algn="ctr">
+              <a:lnSpc>
+                <a:spcPct val="100000"/>
+              </a:lnSpc>
+              <a:buNone/>
+              <a:tabLst>
+                <a:tab algn="l" pos="0"/>
+              </a:tabLst>
+              <a:defRPr b="0" lang="en-US" sz="1200" spc="-1" strike="noStrike">
+                <a:solidFill>
+                  <a:srgbClr val="000000"/>
+                </a:solidFill>
+                <a:latin typeface="Arial"/>
+              </a:defRPr>
+            </a:lvl1pPr>
+          </a:lstStyle>
+          <a:p>
+            <a:pPr indent="0" algn="ctr">
+              <a:lnSpc>
+                <a:spcPct val="100000"/>
+              </a:lnSpc>
+              <a:buNone/>
+              <a:tabLst>
+                <a:tab algn="l" pos="0"/>
+              </a:tabLst>
+            </a:pPr>
+            <a:r>
+              <a:rPr b="0" lang="en-US" sz="1200" spc="-1" strike="noStrike">
+                <a:solidFill>
+                  <a:srgbClr val="000000"/>
+                </a:solidFill>
+                <a:latin typeface="Arial"/>
+              </a:rPr>
+              <a:t>FRC LabVIEW Training </a:t>
+            </a:r>
+            <a:endParaRPr b="0" lang="en-US" sz="1200" spc="-1" strike="noStrike">
+              <a:solidFill>
+                <a:srgbClr val="000000"/>
+              </a:solidFill>
+              <a:latin typeface="Times New Roman"/>
+            </a:endParaRPr>
+          </a:p>
+        </p:txBody>
+      </p:sp>
+      <p:sp>
+        <p:nvSpPr>
+          <p:cNvPr id="147" name="PlaceHolder 4"/>
+          <p:cNvSpPr>
+            <a:spLocks noGrp="1"/>
+          </p:cNvSpPr>
+          <p:nvPr>
+            <p:ph type="dt" idx="8"/>
+          </p:nvPr>
+        </p:nvSpPr>
+        <p:spPr>
+          <a:xfrm>
+            <a:off x="6172200" y="6534000"/>
+            <a:ext cx="1674720" cy="169560"/>
+          </a:xfrm>
+          <a:prstGeom prst="rect">
+            <a:avLst/>
+          </a:prstGeom>
+          <a:noFill/>
+          <a:ln w="0">
+            <a:noFill/>
+          </a:ln>
+        </p:spPr>
+        <p:txBody>
+          <a:bodyPr lIns="90000" rIns="90000" tIns="45000" bIns="45000" anchor="ctr">
+            <a:noAutofit/>
+          </a:bodyPr>
+          <a:lstStyle>
+            <a:lvl1pPr indent="0" algn="ctr">
+              <a:lnSpc>
+                <a:spcPct val="100000"/>
+              </a:lnSpc>
+              <a:buNone/>
+              <a:tabLst>
+                <a:tab algn="l" pos="0"/>
+              </a:tabLst>
+              <a:defRPr b="0" lang="en-US" sz="1200" spc="-1" strike="noStrike">
+                <a:solidFill>
+                  <a:srgbClr val="000000"/>
+                </a:solidFill>
+                <a:latin typeface="Arial"/>
+              </a:defRPr>
+            </a:lvl1pPr>
+          </a:lstStyle>
+          <a:p>
+            <a:pPr indent="0" algn="ctr">
+              <a:lnSpc>
+                <a:spcPct val="100000"/>
+              </a:lnSpc>
+              <a:buNone/>
+              <a:tabLst>
+                <a:tab algn="l" pos="0"/>
+              </a:tabLst>
+            </a:pPr>
+            <a:r>
+              <a:rPr b="0" lang="en-US" sz="1200" spc="-1" strike="noStrike">
+                <a:solidFill>
+                  <a:srgbClr val="000000"/>
+                </a:solidFill>
+                <a:latin typeface="Arial"/>
+              </a:rPr>
+              <a:t>10/30/2023</a:t>
+            </a:r>
+            <a:endParaRPr b="0" lang="en-US" sz="1200" spc="-1" strike="noStrike">
+              <a:solidFill>
+                <a:srgbClr val="000000"/>
+              </a:solidFill>
+              <a:latin typeface="Times New Roman"/>
+            </a:endParaRPr>
+          </a:p>
+        </p:txBody>
+      </p:sp>
+      <p:sp>
+        <p:nvSpPr>
+          <p:cNvPr id="148" name="PlaceHolder 5"/>
+          <p:cNvSpPr>
+            <a:spLocks noGrp="1"/>
+          </p:cNvSpPr>
+          <p:nvPr>
+            <p:ph type="sldNum" idx="9"/>
+          </p:nvPr>
+        </p:nvSpPr>
+        <p:spPr>
+          <a:xfrm>
+            <a:off x="8153280" y="6537240"/>
+            <a:ext cx="836280" cy="166320"/>
+          </a:xfrm>
+          <a:prstGeom prst="rect">
+            <a:avLst/>
+          </a:prstGeom>
+          <a:noFill/>
+          <a:ln w="0">
+            <a:noFill/>
+          </a:ln>
+        </p:spPr>
+        <p:txBody>
+          <a:bodyPr lIns="90000" rIns="90000" tIns="45000" bIns="45000" anchor="ctr">
+            <a:noAutofit/>
+          </a:bodyPr>
+          <a:lstStyle>
+            <a:lvl1pPr indent="0" algn="r">
+              <a:lnSpc>
+                <a:spcPct val="100000"/>
+              </a:lnSpc>
+              <a:buNone/>
+              <a:tabLst>
+                <a:tab algn="l" pos="0"/>
+              </a:tabLst>
+              <a:defRPr b="0" lang="en-US" sz="1400" spc="-1" strike="noStrike">
+                <a:solidFill>
+                  <a:srgbClr val="000000"/>
+                </a:solidFill>
+                <a:latin typeface="Arial"/>
+              </a:defRPr>
+            </a:lvl1pPr>
+          </a:lstStyle>
+          <a:p>
+            <a:pPr indent="0" algn="r">
+              <a:lnSpc>
+                <a:spcPct val="100000"/>
+              </a:lnSpc>
+              <a:buNone/>
+              <a:tabLst>
+                <a:tab algn="l" pos="0"/>
+              </a:tabLst>
+            </a:pPr>
+            <a:fld id="{5325DA8A-BF40-4D72-8F6C-15FE95D86938}" type="slidenum">
+              <a:rPr b="0" lang="en-US" sz="1400" spc="-1" strike="noStrike">
+                <a:solidFill>
+                  <a:srgbClr val="000000"/>
+                </a:solidFill>
+                <a:latin typeface="Arial"/>
+              </a:rPr>
+              <a:t>&lt;number&gt;</a:t>
+            </a:fld>
+            <a:endParaRPr b="0" lang="en-US" sz="1400" spc="-1" strike="noStrike">
+              <a:solidFill>
+                <a:srgbClr val="000000"/>
+              </a:solidFill>
+              <a:latin typeface="Times New Roman"/>
+            </a:endParaRPr>
+          </a:p>
+        </p:txBody>
+      </p:sp>
+      <p:sp>
+        <p:nvSpPr>
+          <p:cNvPr id="149" name="PlaceHolder 8"/>
+          <p:cNvSpPr txBox="1"/>
+          <p:nvPr/>
+        </p:nvSpPr>
+        <p:spPr>
+          <a:xfrm>
+            <a:off x="338040" y="2743200"/>
+            <a:ext cx="5834160" cy="5181480"/>
+          </a:xfrm>
+          <a:prstGeom prst="rect">
+            <a:avLst/>
+          </a:prstGeom>
+          <a:noFill/>
+          <a:ln w="0">
+            <a:noFill/>
+          </a:ln>
+        </p:spPr>
+        <p:txBody>
+          <a:bodyPr lIns="90000" rIns="90000" tIns="45000" bIns="45000" anchor="t">
+            <a:noAutofit/>
+          </a:bodyPr>
           <a:p>
             <a:pPr marL="290520" indent="-290160">
               <a:lnSpc>
@@ -16751,7 +16992,7 @@
                 <a:srgbClr val="000000"/>
               </a:buClr>
               <a:buSzPct val="75000"/>
-              <a:buFont typeface="Symbol" charset="2"/>
+              <a:buFont typeface="Symbol"/>
               <a:buChar char=""/>
             </a:pPr>
             <a:r>
@@ -16782,7 +17023,7 @@
                 <a:srgbClr val="000000"/>
               </a:buClr>
               <a:buSzPct val="75000"/>
-              <a:buFont typeface="Symbol" charset="2"/>
+              <a:buFont typeface="Symbol"/>
               <a:buChar char=""/>
             </a:pPr>
             <a:r>
@@ -16844,7 +17085,7 @@
                 <a:srgbClr val="000000"/>
               </a:buClr>
               <a:buSzPct val="75000"/>
-              <a:buFont typeface="Symbol" charset="2"/>
+              <a:buFont typeface="Symbol"/>
               <a:buChar char=""/>
             </a:pPr>
             <a:r>
@@ -16875,7 +17116,7 @@
                 <a:srgbClr val="000000"/>
               </a:buClr>
               <a:buSzPct val="75000"/>
-              <a:buFont typeface="Symbol" charset="2"/>
+              <a:buFont typeface="Symbol"/>
               <a:buChar char=""/>
             </a:pPr>
             <a:r>
@@ -16927,222 +17168,52 @@
           </a:p>
         </p:txBody>
       </p:sp>
-      <p:sp>
-        <p:nvSpPr>
-          <p:cNvPr id="146" name="PlaceHolder 3"/>
-          <p:cNvSpPr>
-            <a:spLocks noGrp="1"/>
-          </p:cNvSpPr>
-          <p:nvPr>
-            <p:ph type="ftr" idx="7"/>
-          </p:nvPr>
-        </p:nvSpPr>
-        <p:spPr>
-          <a:xfrm>
-            <a:off x="1371600" y="6553080"/>
-            <a:ext cx="4646880" cy="166680"/>
-          </a:xfrm>
-          <a:prstGeom prst="rect">
-            <a:avLst/>
-          </a:prstGeom>
-          <a:noFill/>
-          <a:ln w="0">
-            <a:noFill/>
-          </a:ln>
-        </p:spPr>
-        <p:txBody>
-          <a:bodyPr lIns="90000" rIns="90000" tIns="45000" bIns="45000" anchor="ctr">
-            <a:noAutofit/>
-          </a:bodyPr>
-          <a:lstStyle>
-            <a:lvl1pPr indent="0" algn="ctr">
-              <a:lnSpc>
-                <a:spcPct val="100000"/>
-              </a:lnSpc>
-              <a:buNone/>
-              <a:tabLst>
-                <a:tab algn="l" pos="0"/>
-              </a:tabLst>
-              <a:defRPr b="0" lang="en-US" sz="1200" spc="-1" strike="noStrike">
-                <a:solidFill>
-                  <a:srgbClr val="000000"/>
-                </a:solidFill>
-                <a:latin typeface="Arial"/>
-              </a:defRPr>
-            </a:lvl1pPr>
-          </a:lstStyle>
-          <a:p>
-            <a:pPr indent="0" algn="ctr">
-              <a:lnSpc>
-                <a:spcPct val="100000"/>
-              </a:lnSpc>
-              <a:buNone/>
-              <a:tabLst>
-                <a:tab algn="l" pos="0"/>
-              </a:tabLst>
-            </a:pPr>
-            <a:r>
-              <a:rPr b="0" lang="en-US" sz="1200" spc="-1" strike="noStrike">
-                <a:solidFill>
-                  <a:srgbClr val="000000"/>
-                </a:solidFill>
-                <a:latin typeface="Arial"/>
-              </a:rPr>
-              <a:t>FRC LabVIEW Training </a:t>
-            </a:r>
-            <a:endParaRPr b="0" lang="en-US" sz="1200" spc="-1" strike="noStrike">
-              <a:solidFill>
-                <a:srgbClr val="000000"/>
-              </a:solidFill>
-              <a:latin typeface="Times New Roman"/>
-            </a:endParaRPr>
-          </a:p>
-        </p:txBody>
-      </p:sp>
-      <p:sp>
-        <p:nvSpPr>
-          <p:cNvPr id="147" name="PlaceHolder 4"/>
-          <p:cNvSpPr>
-            <a:spLocks noGrp="1"/>
-          </p:cNvSpPr>
-          <p:nvPr>
-            <p:ph type="dt" idx="8"/>
-          </p:nvPr>
-        </p:nvSpPr>
-        <p:spPr>
-          <a:xfrm>
-            <a:off x="6172200" y="6534000"/>
-            <a:ext cx="1675080" cy="169920"/>
-          </a:xfrm>
-          <a:prstGeom prst="rect">
-            <a:avLst/>
-          </a:prstGeom>
-          <a:noFill/>
-          <a:ln w="0">
-            <a:noFill/>
-          </a:ln>
-        </p:spPr>
-        <p:txBody>
-          <a:bodyPr lIns="90000" rIns="90000" tIns="45000" bIns="45000" anchor="ctr">
-            <a:noAutofit/>
-          </a:bodyPr>
-          <a:lstStyle>
-            <a:lvl1pPr indent="0" algn="ctr">
-              <a:lnSpc>
-                <a:spcPct val="100000"/>
-              </a:lnSpc>
-              <a:buNone/>
-              <a:tabLst>
-                <a:tab algn="l" pos="0"/>
-              </a:tabLst>
-              <a:defRPr b="0" lang="en-US" sz="1200" spc="-1" strike="noStrike">
-                <a:solidFill>
-                  <a:srgbClr val="000000"/>
-                </a:solidFill>
-                <a:latin typeface="Arial"/>
-              </a:defRPr>
-            </a:lvl1pPr>
-          </a:lstStyle>
-          <a:p>
-            <a:pPr indent="0" algn="ctr">
-              <a:lnSpc>
-                <a:spcPct val="100000"/>
-              </a:lnSpc>
-              <a:buNone/>
-              <a:tabLst>
-                <a:tab algn="l" pos="0"/>
-              </a:tabLst>
-            </a:pPr>
-            <a:r>
-              <a:rPr b="0" lang="en-US" sz="1200" spc="-1" strike="noStrike">
-                <a:solidFill>
-                  <a:srgbClr val="000000"/>
-                </a:solidFill>
-                <a:latin typeface="Arial"/>
-              </a:rPr>
-              <a:t>10/30/2023</a:t>
-            </a:r>
-            <a:endParaRPr b="0" lang="en-US" sz="1200" spc="-1" strike="noStrike">
-              <a:solidFill>
-                <a:srgbClr val="000000"/>
-              </a:solidFill>
-              <a:latin typeface="Times New Roman"/>
-            </a:endParaRPr>
-          </a:p>
-        </p:txBody>
-      </p:sp>
-      <p:sp>
-        <p:nvSpPr>
-          <p:cNvPr id="148" name="PlaceHolder 5"/>
-          <p:cNvSpPr>
-            <a:spLocks noGrp="1"/>
-          </p:cNvSpPr>
-          <p:nvPr>
-            <p:ph type="sldNum" idx="9"/>
-          </p:nvPr>
-        </p:nvSpPr>
-        <p:spPr>
-          <a:xfrm>
-            <a:off x="8153280" y="6537240"/>
-            <a:ext cx="836640" cy="166680"/>
-          </a:xfrm>
-          <a:prstGeom prst="rect">
-            <a:avLst/>
-          </a:prstGeom>
-          <a:noFill/>
-          <a:ln w="0">
-            <a:noFill/>
-          </a:ln>
-        </p:spPr>
-        <p:txBody>
-          <a:bodyPr lIns="90000" rIns="90000" tIns="45000" bIns="45000" anchor="ctr">
-            <a:noAutofit/>
-          </a:bodyPr>
-          <a:lstStyle>
-            <a:lvl1pPr indent="0" algn="r">
-              <a:lnSpc>
-                <a:spcPct val="100000"/>
-              </a:lnSpc>
-              <a:buNone/>
-              <a:tabLst>
-                <a:tab algn="l" pos="0"/>
-              </a:tabLst>
-              <a:defRPr b="0" lang="en-US" sz="1400" spc="-1" strike="noStrike">
-                <a:solidFill>
-                  <a:srgbClr val="000000"/>
-                </a:solidFill>
-                <a:latin typeface="Arial"/>
-              </a:defRPr>
-            </a:lvl1pPr>
-          </a:lstStyle>
-          <a:p>
-            <a:pPr indent="0" algn="r">
-              <a:lnSpc>
-                <a:spcPct val="100000"/>
-              </a:lnSpc>
-              <a:buNone/>
-              <a:tabLst>
-                <a:tab algn="l" pos="0"/>
-              </a:tabLst>
-            </a:pPr>
-            <a:fld id="{B39E6AED-3355-4D2A-AD56-2ACD0E37A34D}" type="slidenum">
-              <a:rPr b="0" lang="en-US" sz="1400" spc="-1" strike="noStrike">
-                <a:solidFill>
-                  <a:srgbClr val="000000"/>
-                </a:solidFill>
-                <a:latin typeface="Arial"/>
-              </a:rPr>
-              <a:t>&lt;number&gt;</a:t>
-            </a:fld>
-            <a:endParaRPr b="0" lang="en-US" sz="1400" spc="-1" strike="noStrike">
-              <a:solidFill>
-                <a:srgbClr val="000000"/>
-              </a:solidFill>
-              <a:latin typeface="Times New Roman"/>
-            </a:endParaRPr>
-          </a:p>
-        </p:txBody>
-      </p:sp>
+      <p:pic>
+        <p:nvPicPr>
+          <p:cNvPr id="150" name="" descr=""/>
+          <p:cNvPicPr/>
+          <p:nvPr/>
+        </p:nvPicPr>
+        <p:blipFill>
+          <a:blip r:embed="rId1"/>
+          <a:stretch/>
+        </p:blipFill>
+        <p:spPr>
+          <a:xfrm>
+            <a:off x="5943600" y="2712960"/>
+            <a:ext cx="2926080" cy="2048400"/>
+          </a:xfrm>
+          <a:prstGeom prst="rect">
+            <a:avLst/>
+          </a:prstGeom>
+          <a:ln w="0">
+            <a:noFill/>
+          </a:ln>
+        </p:spPr>
+      </p:pic>
+      <p:pic>
+        <p:nvPicPr>
+          <p:cNvPr id="151" name="" descr=""/>
+          <p:cNvPicPr/>
+          <p:nvPr/>
+        </p:nvPicPr>
+        <p:blipFill>
+          <a:blip r:embed="rId2"/>
+          <a:stretch/>
+        </p:blipFill>
+        <p:spPr>
+          <a:xfrm>
+            <a:off x="6190920" y="4888800"/>
+            <a:ext cx="2459880" cy="1454040"/>
+          </a:xfrm>
+          <a:prstGeom prst="rect">
+            <a:avLst/>
+          </a:prstGeom>
+          <a:ln w="0">
+            <a:noFill/>
+          </a:ln>
+        </p:spPr>
+      </p:pic>
     </p:spTree>
   </p:cSld>
   <mc:AlternateContent>
@@ -17175,7 +17246,7 @@
       </p:grpSpPr>
       <p:sp>
         <p:nvSpPr>
-          <p:cNvPr id="149" name="PlaceHolder 1"/>
+          <p:cNvPr id="152" name="PlaceHolder 1"/>
           <p:cNvSpPr>
             <a:spLocks noGrp="1"/>
           </p:cNvSpPr>
@@ -17186,7 +17257,7 @@
         <p:spPr>
           <a:xfrm>
             <a:off x="338040" y="318960"/>
-            <a:ext cx="8453520" cy="578160"/>
+            <a:ext cx="8453160" cy="577800"/>
           </a:xfrm>
           <a:prstGeom prst="rect">
             <a:avLst/>
@@ -17230,7 +17301,7 @@
       </p:sp>
       <p:sp>
         <p:nvSpPr>
-          <p:cNvPr id="150" name="PlaceHolder 2"/>
+          <p:cNvPr id="153" name="PlaceHolder 2"/>
           <p:cNvSpPr>
             <a:spLocks noGrp="1"/>
           </p:cNvSpPr>
@@ -17241,7 +17312,7 @@
         <p:spPr>
           <a:xfrm>
             <a:off x="338040" y="1065240"/>
-            <a:ext cx="8348760" cy="1449360"/>
+            <a:ext cx="8348400" cy="1449000"/>
           </a:xfrm>
           <a:prstGeom prst="rect">
             <a:avLst/>
@@ -17298,7 +17369,7 @@
                 <a:srgbClr val="000000"/>
               </a:buClr>
               <a:buSzPct val="75000"/>
-              <a:buFont typeface="Symbol" charset="2"/>
+              <a:buFont typeface="Symbol"/>
               <a:buChar char=""/>
             </a:pPr>
             <a:r>
@@ -17330,7 +17401,7 @@
       </p:sp>
       <p:sp>
         <p:nvSpPr>
-          <p:cNvPr id="151" name="PlaceHolder 3"/>
+          <p:cNvPr id="154" name="PlaceHolder 3"/>
           <p:cNvSpPr>
             <a:spLocks noGrp="1"/>
           </p:cNvSpPr>
@@ -17341,7 +17412,7 @@
         <p:spPr>
           <a:xfrm>
             <a:off x="1371600" y="6553080"/>
-            <a:ext cx="4646880" cy="166680"/>
+            <a:ext cx="4646520" cy="166320"/>
           </a:xfrm>
           <a:prstGeom prst="rect">
             <a:avLst/>
@@ -17402,7 +17473,7 @@
       </p:sp>
       <p:sp>
         <p:nvSpPr>
-          <p:cNvPr id="152" name="PlaceHolder 4"/>
+          <p:cNvPr id="155" name="PlaceHolder 4"/>
           <p:cNvSpPr>
             <a:spLocks noGrp="1"/>
           </p:cNvSpPr>
@@ -17413,7 +17484,7 @@
         <p:spPr>
           <a:xfrm>
             <a:off x="6172200" y="6534000"/>
-            <a:ext cx="1675080" cy="169920"/>
+            <a:ext cx="1674720" cy="169560"/>
           </a:xfrm>
           <a:prstGeom prst="rect">
             <a:avLst/>
@@ -17474,7 +17545,7 @@
       </p:sp>
       <p:sp>
         <p:nvSpPr>
-          <p:cNvPr id="153" name="PlaceHolder 5"/>
+          <p:cNvPr id="156" name="PlaceHolder 5"/>
           <p:cNvSpPr>
             <a:spLocks noGrp="1"/>
           </p:cNvSpPr>
@@ -17485,7 +17556,7 @@
         <p:spPr>
           <a:xfrm>
             <a:off x="8153280" y="6537240"/>
-            <a:ext cx="836640" cy="166680"/>
+            <a:ext cx="836280" cy="166320"/>
           </a:xfrm>
           <a:prstGeom prst="rect">
             <a:avLst/>
@@ -17526,7 +17597,7 @@
                 <a:tab algn="l" pos="0"/>
               </a:tabLst>
             </a:pPr>
-            <a:fld id="{74308DE7-189F-45BB-A2D8-8654AC08B0B2}" type="slidenum">
+            <a:fld id="{440C1912-9F0D-4FA2-83D9-C35CC7676CA4}" type="slidenum">
               <a:rPr b="0" lang="en-US" sz="1400" spc="-1" strike="noStrike">
                 <a:solidFill>
                   <a:srgbClr val="000000"/>
@@ -17546,14 +17617,14 @@
       </p:sp>
       <p:sp>
         <p:nvSpPr>
-          <p:cNvPr id="154" name="PlaceHolder 6"/>
-          <p:cNvSpPr txBox="1"/>
+          <p:cNvPr id="157" name="PlaceHolder 6"/>
+          <p:cNvSpPr/>
           <p:nvPr/>
         </p:nvSpPr>
         <p:spPr>
           <a:xfrm>
             <a:off x="338040" y="2436840"/>
-            <a:ext cx="3776760" cy="3049560"/>
+            <a:ext cx="3776400" cy="3049200"/>
           </a:xfrm>
           <a:prstGeom prst="rect">
             <a:avLst/>
@@ -17563,6 +17634,12 @@
             <a:noFill/>
           </a:ln>
         </p:spPr>
+        <p:style>
+          <a:lnRef idx="0"/>
+          <a:fillRef idx="0"/>
+          <a:effectRef idx="0"/>
+          <a:fontRef idx="minor"/>
+        </p:style>
         <p:txBody>
           <a:bodyPr lIns="90000" rIns="90000" tIns="45000" bIns="45000" anchor="t">
             <a:noAutofit/>
@@ -17610,7 +17687,7 @@
                 <a:srgbClr val="000000"/>
               </a:buClr>
               <a:buSzPct val="75000"/>
-              <a:buFont typeface="Symbol" charset="2"/>
+              <a:buFont typeface="Symbol"/>
               <a:buChar char=""/>
             </a:pPr>
             <a:r>
@@ -17672,7 +17749,7 @@
                 <a:srgbClr val="000000"/>
               </a:buClr>
               <a:buSzPct val="75000"/>
-              <a:buFont typeface="Symbol" charset="2"/>
+              <a:buFont typeface="Symbol"/>
               <a:buChar char=""/>
             </a:pPr>
             <a:r>
@@ -17713,7 +17790,7 @@
       </p:sp>
       <p:pic>
         <p:nvPicPr>
-          <p:cNvPr id="155" name="" descr=""/>
+          <p:cNvPr id="158" name="" descr=""/>
           <p:cNvPicPr/>
           <p:nvPr/>
         </p:nvPicPr>
@@ -17724,7 +17801,7 @@
         <p:spPr>
           <a:xfrm>
             <a:off x="4150800" y="2361600"/>
-            <a:ext cx="4846320" cy="3895200"/>
+            <a:ext cx="4845960" cy="3894840"/>
           </a:xfrm>
           <a:prstGeom prst="rect">
             <a:avLst/>
@@ -17766,7 +17843,7 @@
       </p:grpSpPr>
       <p:sp>
         <p:nvSpPr>
-          <p:cNvPr id="156" name="PlaceHolder 1"/>
+          <p:cNvPr id="159" name="PlaceHolder 1"/>
           <p:cNvSpPr>
             <a:spLocks noGrp="1"/>
           </p:cNvSpPr>
@@ -17777,7 +17854,7 @@
         <p:spPr>
           <a:xfrm>
             <a:off x="338040" y="318960"/>
-            <a:ext cx="8453520" cy="578160"/>
+            <a:ext cx="8453160" cy="577800"/>
           </a:xfrm>
           <a:prstGeom prst="rect">
             <a:avLst/>
@@ -17821,7 +17898,7 @@
       </p:sp>
       <p:sp>
         <p:nvSpPr>
-          <p:cNvPr id="157" name="PlaceHolder 2"/>
+          <p:cNvPr id="160" name="PlaceHolder 2"/>
           <p:cNvSpPr>
             <a:spLocks noGrp="1"/>
           </p:cNvSpPr>
@@ -17832,7 +17909,7 @@
         <p:spPr>
           <a:xfrm>
             <a:off x="338040" y="1065240"/>
-            <a:ext cx="7828200" cy="2135160"/>
+            <a:ext cx="7827840" cy="2134800"/>
           </a:xfrm>
           <a:prstGeom prst="rect">
             <a:avLst/>
@@ -17920,7 +17997,7 @@
                 <a:srgbClr val="000000"/>
               </a:buClr>
               <a:buSzPct val="75000"/>
-              <a:buFont typeface="Symbol" charset="2"/>
+              <a:buFont typeface="Symbol"/>
               <a:buChar char=""/>
             </a:pPr>
             <a:r>
@@ -17951,7 +18028,7 @@
                 <a:srgbClr val="000000"/>
               </a:buClr>
               <a:buSzPct val="75000"/>
-              <a:buFont typeface="Symbol" charset="2"/>
+              <a:buFont typeface="Symbol"/>
               <a:buChar char=""/>
             </a:pPr>
             <a:r>
@@ -17974,7 +18051,7 @@
       </p:sp>
       <p:sp>
         <p:nvSpPr>
-          <p:cNvPr id="158" name="PlaceHolder 3"/>
+          <p:cNvPr id="161" name="PlaceHolder 3"/>
           <p:cNvSpPr>
             <a:spLocks noGrp="1"/>
           </p:cNvSpPr>
@@ -17985,7 +18062,7 @@
         <p:spPr>
           <a:xfrm>
             <a:off x="1371600" y="6553080"/>
-            <a:ext cx="4646880" cy="166680"/>
+            <a:ext cx="4646520" cy="166320"/>
           </a:xfrm>
           <a:prstGeom prst="rect">
             <a:avLst/>
@@ -18046,7 +18123,7 @@
       </p:sp>
       <p:sp>
         <p:nvSpPr>
-          <p:cNvPr id="159" name="PlaceHolder 4"/>
+          <p:cNvPr id="162" name="PlaceHolder 4"/>
           <p:cNvSpPr>
             <a:spLocks noGrp="1"/>
           </p:cNvSpPr>
@@ -18057,7 +18134,7 @@
         <p:spPr>
           <a:xfrm>
             <a:off x="6172200" y="6534000"/>
-            <a:ext cx="1675080" cy="169920"/>
+            <a:ext cx="1674720" cy="169560"/>
           </a:xfrm>
           <a:prstGeom prst="rect">
             <a:avLst/>
@@ -18118,7 +18195,7 @@
       </p:sp>
       <p:sp>
         <p:nvSpPr>
-          <p:cNvPr id="160" name="PlaceHolder 5"/>
+          <p:cNvPr id="163" name="PlaceHolder 5"/>
           <p:cNvSpPr>
             <a:spLocks noGrp="1"/>
           </p:cNvSpPr>
@@ -18129,7 +18206,7 @@
         <p:spPr>
           <a:xfrm>
             <a:off x="8153280" y="6537240"/>
-            <a:ext cx="836640" cy="166680"/>
+            <a:ext cx="836280" cy="166320"/>
           </a:xfrm>
           <a:prstGeom prst="rect">
             <a:avLst/>
@@ -18170,7 +18247,7 @@
                 <a:tab algn="l" pos="0"/>
               </a:tabLst>
             </a:pPr>
-            <a:fld id="{20DFEA1E-5C2C-496E-9E68-31DB8EAA7A2A}" type="slidenum">
+            <a:fld id="{8E148804-68B9-431C-918E-4F4196208710}" type="slidenum">
               <a:rPr b="0" lang="en-US" sz="1400" spc="-1" strike="noStrike">
                 <a:solidFill>
                   <a:srgbClr val="000000"/>
@@ -18190,14 +18267,14 @@
       </p:sp>
       <p:sp>
         <p:nvSpPr>
-          <p:cNvPr id="161" name="PlaceHolder 7"/>
-          <p:cNvSpPr txBox="1"/>
+          <p:cNvPr id="164" name="PlaceHolder 7"/>
+          <p:cNvSpPr/>
           <p:nvPr/>
         </p:nvSpPr>
         <p:spPr>
           <a:xfrm>
             <a:off x="338040" y="3200760"/>
-            <a:ext cx="5834160" cy="3200040"/>
+            <a:ext cx="5833800" cy="3199680"/>
           </a:xfrm>
           <a:prstGeom prst="rect">
             <a:avLst/>
@@ -18207,6 +18284,12 @@
             <a:noFill/>
           </a:ln>
         </p:spPr>
+        <p:style>
+          <a:lnRef idx="0"/>
+          <a:fillRef idx="0"/>
+          <a:effectRef idx="0"/>
+          <a:fontRef idx="minor"/>
+        </p:style>
         <p:txBody>
           <a:bodyPr lIns="90000" rIns="90000" tIns="45000" bIns="45000" anchor="t">
             <a:noAutofit/>
@@ -18254,7 +18337,7 @@
                 <a:srgbClr val="000000"/>
               </a:buClr>
               <a:buSzPct val="75000"/>
-              <a:buFont typeface="Symbol" charset="2"/>
+              <a:buFont typeface="Symbol"/>
               <a:buChar char=""/>
             </a:pPr>
             <a:r>
@@ -18285,7 +18368,7 @@
                 <a:srgbClr val="000000"/>
               </a:buClr>
               <a:buSzPct val="75000"/>
-              <a:buFont typeface="Symbol" charset="2"/>
+              <a:buFont typeface="Symbol"/>
               <a:buChar char=""/>
             </a:pPr>
             <a:r>
@@ -18316,7 +18399,7 @@
                 <a:srgbClr val="000000"/>
               </a:buClr>
               <a:buSzPct val="75000"/>
-              <a:buFont typeface="Symbol" charset="2"/>
+              <a:buFont typeface="Symbol"/>
               <a:buChar char=""/>
             </a:pPr>
             <a:r>
@@ -18347,7 +18430,7 @@
                 <a:srgbClr val="000000"/>
               </a:buClr>
               <a:buSzPct val="75000"/>
-              <a:buFont typeface="Symbol" charset="2"/>
+              <a:buFont typeface="Symbol"/>
               <a:buChar char=""/>
             </a:pPr>
             <a:r>
@@ -18370,7 +18453,7 @@
       </p:sp>
       <p:pic>
         <p:nvPicPr>
-          <p:cNvPr id="162" name="" descr=""/>
+          <p:cNvPr id="165" name="" descr=""/>
           <p:cNvPicPr/>
           <p:nvPr/>
         </p:nvPicPr>
@@ -18381,7 +18464,7 @@
         <p:spPr>
           <a:xfrm>
             <a:off x="6159600" y="1828800"/>
-            <a:ext cx="2743200" cy="2176200"/>
+            <a:ext cx="2742840" cy="2175840"/>
           </a:xfrm>
           <a:prstGeom prst="rect">
             <a:avLst/>
@@ -18393,7 +18476,7 @@
       </p:pic>
       <p:pic>
         <p:nvPicPr>
-          <p:cNvPr id="163" name="" descr=""/>
+          <p:cNvPr id="166" name="" descr=""/>
           <p:cNvPicPr/>
           <p:nvPr/>
         </p:nvPicPr>
@@ -18404,7 +18487,7 @@
         <p:spPr>
           <a:xfrm>
             <a:off x="6195600" y="4114800"/>
-            <a:ext cx="2743200" cy="2094120"/>
+            <a:ext cx="2742840" cy="2093760"/>
           </a:xfrm>
           <a:prstGeom prst="rect">
             <a:avLst/>
@@ -18416,7 +18499,7 @@
       </p:pic>
       <p:sp>
         <p:nvSpPr>
-          <p:cNvPr id="164" name=""/>
+          <p:cNvPr id="167" name=""/>
           <p:cNvSpPr/>
           <p:nvPr/>
         </p:nvSpPr>
@@ -18452,13 +18535,14 @@
                 <a:srgbClr val="000000"/>
               </a:solidFill>
               <a:latin typeface="Arial"/>
+              <a:ea typeface="DejaVu Sans"/>
             </a:endParaRPr>
           </a:p>
         </p:txBody>
       </p:sp>
       <p:sp>
         <p:nvSpPr>
-          <p:cNvPr id="165" name=""/>
+          <p:cNvPr id="168" name=""/>
           <p:cNvSpPr/>
           <p:nvPr/>
         </p:nvSpPr>
@@ -18494,6 +18578,7 @@
                 <a:srgbClr val="000000"/>
               </a:solidFill>
               <a:latin typeface="Arial"/>
+              <a:ea typeface="DejaVu Sans"/>
             </a:endParaRPr>
           </a:p>
         </p:txBody>
@@ -18530,7 +18615,7 @@
       </p:grpSpPr>
       <p:sp>
         <p:nvSpPr>
-          <p:cNvPr id="166" name="PlaceHolder 1"/>
+          <p:cNvPr id="169" name="PlaceHolder 1"/>
           <p:cNvSpPr>
             <a:spLocks noGrp="1"/>
           </p:cNvSpPr>
@@ -18541,7 +18626,7 @@
         <p:spPr>
           <a:xfrm>
             <a:off x="338040" y="318960"/>
-            <a:ext cx="8453520" cy="578160"/>
+            <a:ext cx="8453160" cy="577800"/>
           </a:xfrm>
           <a:prstGeom prst="rect">
             <a:avLst/>
@@ -18585,7 +18670,7 @@
       </p:sp>
       <p:sp>
         <p:nvSpPr>
-          <p:cNvPr id="167" name="PlaceHolder 2"/>
+          <p:cNvPr id="170" name="PlaceHolder 2"/>
           <p:cNvSpPr>
             <a:spLocks noGrp="1"/>
           </p:cNvSpPr>
@@ -18595,8 +18680,8 @@
         </p:nvSpPr>
         <p:spPr>
           <a:xfrm>
-            <a:off x="338040" y="1065240"/>
-            <a:ext cx="7828200" cy="1220760"/>
+            <a:off x="338040" y="993240"/>
+            <a:ext cx="8577360" cy="1220400"/>
           </a:xfrm>
           <a:prstGeom prst="rect">
             <a:avLst/>
@@ -18653,7 +18738,7 @@
                 <a:srgbClr val="000000"/>
               </a:buClr>
               <a:buSzPct val="75000"/>
-              <a:buFont typeface="Symbol" charset="2"/>
+              <a:buFont typeface="Symbol"/>
               <a:buChar char=""/>
             </a:pPr>
             <a:r>
@@ -18663,7 +18748,7 @@
                 </a:solidFill>
                 <a:latin typeface="Arial"/>
               </a:rPr>
-              <a:t>It can loop forever</a:t>
+              <a:t>Loop can be made to always execute once or forever if desired</a:t>
             </a:r>
             <a:endParaRPr b="0" lang="en-US" sz="2000" spc="-1" strike="noStrike">
               <a:solidFill>
@@ -18676,7 +18761,7 @@
       </p:sp>
       <p:sp>
         <p:nvSpPr>
-          <p:cNvPr id="168" name="PlaceHolder 3"/>
+          <p:cNvPr id="171" name="PlaceHolder 3"/>
           <p:cNvSpPr>
             <a:spLocks noGrp="1"/>
           </p:cNvSpPr>
@@ -18687,7 +18772,7 @@
         <p:spPr>
           <a:xfrm>
             <a:off x="1371600" y="6553080"/>
-            <a:ext cx="4646880" cy="166680"/>
+            <a:ext cx="4646520" cy="166320"/>
           </a:xfrm>
           <a:prstGeom prst="rect">
             <a:avLst/>
@@ -18748,7 +18833,7 @@
       </p:sp>
       <p:sp>
         <p:nvSpPr>
-          <p:cNvPr id="169" name="PlaceHolder 4"/>
+          <p:cNvPr id="172" name="PlaceHolder 4"/>
           <p:cNvSpPr>
             <a:spLocks noGrp="1"/>
           </p:cNvSpPr>
@@ -18759,7 +18844,7 @@
         <p:spPr>
           <a:xfrm>
             <a:off x="6172200" y="6534000"/>
-            <a:ext cx="1675080" cy="169920"/>
+            <a:ext cx="1674720" cy="169560"/>
           </a:xfrm>
           <a:prstGeom prst="rect">
             <a:avLst/>
@@ -18820,7 +18905,7 @@
       </p:sp>
       <p:sp>
         <p:nvSpPr>
-          <p:cNvPr id="170" name="PlaceHolder 5"/>
+          <p:cNvPr id="173" name="PlaceHolder 5"/>
           <p:cNvSpPr>
             <a:spLocks noGrp="1"/>
           </p:cNvSpPr>
@@ -18831,7 +18916,7 @@
         <p:spPr>
           <a:xfrm>
             <a:off x="8153280" y="6537240"/>
-            <a:ext cx="836640" cy="166680"/>
+            <a:ext cx="836280" cy="166320"/>
           </a:xfrm>
           <a:prstGeom prst="rect">
             <a:avLst/>
@@ -18872,7 +18957,7 @@
                 <a:tab algn="l" pos="0"/>
               </a:tabLst>
             </a:pPr>
-            <a:fld id="{3F009DF7-CDD1-47E2-B30E-ED3C01AAD766}" type="slidenum">
+            <a:fld id="{1D2E56C5-615E-40F8-91BD-EE0E2E932167}" type="slidenum">
               <a:rPr b="0" lang="en-US" sz="1400" spc="-1" strike="noStrike">
                 <a:solidFill>
                   <a:srgbClr val="000000"/>
@@ -18892,7 +18977,7 @@
       </p:sp>
       <p:pic>
         <p:nvPicPr>
-          <p:cNvPr id="171" name="" descr=""/>
+          <p:cNvPr id="174" name="" descr=""/>
           <p:cNvPicPr/>
           <p:nvPr/>
         </p:nvPicPr>
@@ -18902,8 +18987,8 @@
         </p:blipFill>
         <p:spPr>
           <a:xfrm>
-            <a:off x="2286000" y="2270520"/>
-            <a:ext cx="5001840" cy="4114800"/>
+            <a:off x="2250000" y="2270520"/>
+            <a:ext cx="5001480" cy="4114440"/>
           </a:xfrm>
           <a:prstGeom prst="rect">
             <a:avLst/>
@@ -18945,7 +19030,7 @@
       </p:grpSpPr>
       <p:sp>
         <p:nvSpPr>
-          <p:cNvPr id="172" name="PlaceHolder 1"/>
+          <p:cNvPr id="175" name="PlaceHolder 1"/>
           <p:cNvSpPr>
             <a:spLocks noGrp="1"/>
           </p:cNvSpPr>
@@ -18956,7 +19041,7 @@
         <p:spPr>
           <a:xfrm>
             <a:off x="338040" y="318960"/>
-            <a:ext cx="8453520" cy="578160"/>
+            <a:ext cx="8453160" cy="577800"/>
           </a:xfrm>
           <a:prstGeom prst="rect">
             <a:avLst/>
@@ -19000,7 +19085,7 @@
       </p:sp>
       <p:sp>
         <p:nvSpPr>
-          <p:cNvPr id="173" name="PlaceHolder 2"/>
+          <p:cNvPr id="176" name="PlaceHolder 2"/>
           <p:cNvSpPr>
             <a:spLocks noGrp="1"/>
           </p:cNvSpPr>
@@ -19011,7 +19096,7 @@
         <p:spPr>
           <a:xfrm>
             <a:off x="338040" y="1065240"/>
-            <a:ext cx="8577360" cy="1220760"/>
+            <a:ext cx="8577000" cy="1220400"/>
           </a:xfrm>
           <a:prstGeom prst="rect">
             <a:avLst/>
@@ -19091,7 +19176,7 @@
       </p:sp>
       <p:sp>
         <p:nvSpPr>
-          <p:cNvPr id="174" name="PlaceHolder 3"/>
+          <p:cNvPr id="177" name="PlaceHolder 3"/>
           <p:cNvSpPr>
             <a:spLocks noGrp="1"/>
           </p:cNvSpPr>
@@ -19102,7 +19187,7 @@
         <p:spPr>
           <a:xfrm>
             <a:off x="1371600" y="6553080"/>
-            <a:ext cx="4646880" cy="166680"/>
+            <a:ext cx="4646520" cy="166320"/>
           </a:xfrm>
           <a:prstGeom prst="rect">
             <a:avLst/>
@@ -19163,7 +19248,7 @@
       </p:sp>
       <p:sp>
         <p:nvSpPr>
-          <p:cNvPr id="175" name="PlaceHolder 4"/>
+          <p:cNvPr id="178" name="PlaceHolder 4"/>
           <p:cNvSpPr>
             <a:spLocks noGrp="1"/>
           </p:cNvSpPr>
@@ -19174,7 +19259,7 @@
         <p:spPr>
           <a:xfrm>
             <a:off x="6172200" y="6534000"/>
-            <a:ext cx="1675080" cy="169920"/>
+            <a:ext cx="1674720" cy="169560"/>
           </a:xfrm>
           <a:prstGeom prst="rect">
             <a:avLst/>
@@ -19235,7 +19320,7 @@
       </p:sp>
       <p:sp>
         <p:nvSpPr>
-          <p:cNvPr id="176" name="PlaceHolder 5"/>
+          <p:cNvPr id="179" name="PlaceHolder 5"/>
           <p:cNvSpPr>
             <a:spLocks noGrp="1"/>
           </p:cNvSpPr>
@@ -19246,7 +19331,7 @@
         <p:spPr>
           <a:xfrm>
             <a:off x="8153280" y="6537240"/>
-            <a:ext cx="836640" cy="166680"/>
+            <a:ext cx="836280" cy="166320"/>
           </a:xfrm>
           <a:prstGeom prst="rect">
             <a:avLst/>
@@ -19287,7 +19372,7 @@
                 <a:tab algn="l" pos="0"/>
               </a:tabLst>
             </a:pPr>
-            <a:fld id="{5AB87C8E-81E3-4457-A2A6-521E130D79E0}" type="slidenum">
+            <a:fld id="{1F67ECE8-E624-4017-B01F-29C7827AB0A3}" type="slidenum">
               <a:rPr b="0" lang="en-US" sz="1400" spc="-1" strike="noStrike">
                 <a:solidFill>
                   <a:srgbClr val="000000"/>
@@ -19307,7 +19392,7 @@
       </p:sp>
       <p:pic>
         <p:nvPicPr>
-          <p:cNvPr id="177" name="" descr=""/>
+          <p:cNvPr id="180" name="" descr=""/>
           <p:cNvPicPr/>
           <p:nvPr/>
         </p:nvPicPr>
@@ -19318,7 +19403,7 @@
         <p:spPr>
           <a:xfrm>
             <a:off x="2189160" y="2190600"/>
-            <a:ext cx="5010840" cy="4114800"/>
+            <a:ext cx="5010480" cy="4114440"/>
           </a:xfrm>
           <a:prstGeom prst="rect">
             <a:avLst/>
@@ -19360,7 +19445,7 @@
       </p:grpSpPr>
       <p:sp>
         <p:nvSpPr>
-          <p:cNvPr id="178" name="PlaceHolder 1"/>
+          <p:cNvPr id="181" name="PlaceHolder 1"/>
           <p:cNvSpPr>
             <a:spLocks noGrp="1"/>
           </p:cNvSpPr>
@@ -19371,7 +19456,7 @@
         <p:spPr>
           <a:xfrm>
             <a:off x="338040" y="318960"/>
-            <a:ext cx="8453520" cy="578160"/>
+            <a:ext cx="8453160" cy="577800"/>
           </a:xfrm>
           <a:prstGeom prst="rect">
             <a:avLst/>
@@ -19415,7 +19500,7 @@
       </p:sp>
       <p:sp>
         <p:nvSpPr>
-          <p:cNvPr id="179" name="PlaceHolder 2"/>
+          <p:cNvPr id="182" name="PlaceHolder 2"/>
           <p:cNvSpPr>
             <a:spLocks noGrp="1"/>
           </p:cNvSpPr>
@@ -19426,7 +19511,7 @@
         <p:spPr>
           <a:xfrm>
             <a:off x="338040" y="1065240"/>
-            <a:ext cx="7828200" cy="2135160"/>
+            <a:ext cx="7827840" cy="2134800"/>
           </a:xfrm>
           <a:prstGeom prst="rect">
             <a:avLst/>
@@ -19483,7 +19568,7 @@
                 <a:srgbClr val="000000"/>
               </a:buClr>
               <a:buSzPct val="75000"/>
-              <a:buFont typeface="Symbol" charset="2"/>
+              <a:buFont typeface="Symbol"/>
               <a:buChar char=""/>
             </a:pPr>
             <a:r>
@@ -19514,7 +19599,7 @@
                 <a:srgbClr val="000000"/>
               </a:buClr>
               <a:buSzPct val="75000"/>
-              <a:buFont typeface="Symbol" charset="2"/>
+              <a:buFont typeface="Symbol"/>
               <a:buChar char=""/>
             </a:pPr>
             <a:r>
@@ -19537,7 +19622,7 @@
       </p:sp>
       <p:sp>
         <p:nvSpPr>
-          <p:cNvPr id="180" name="PlaceHolder 3"/>
+          <p:cNvPr id="183" name="PlaceHolder 3"/>
           <p:cNvSpPr>
             <a:spLocks noGrp="1"/>
           </p:cNvSpPr>
@@ -19548,7 +19633,7 @@
         <p:spPr>
           <a:xfrm>
             <a:off x="1371600" y="6553080"/>
-            <a:ext cx="4646880" cy="166680"/>
+            <a:ext cx="4646520" cy="166320"/>
           </a:xfrm>
           <a:prstGeom prst="rect">
             <a:avLst/>
@@ -19609,7 +19694,7 @@
       </p:sp>
       <p:sp>
         <p:nvSpPr>
-          <p:cNvPr id="181" name="PlaceHolder 4"/>
+          <p:cNvPr id="184" name="PlaceHolder 4"/>
           <p:cNvSpPr>
             <a:spLocks noGrp="1"/>
           </p:cNvSpPr>
@@ -19620,7 +19705,7 @@
         <p:spPr>
           <a:xfrm>
             <a:off x="6172200" y="6534000"/>
-            <a:ext cx="1675080" cy="169920"/>
+            <a:ext cx="1674720" cy="169560"/>
           </a:xfrm>
           <a:prstGeom prst="rect">
             <a:avLst/>
@@ -19681,7 +19766,7 @@
       </p:sp>
       <p:sp>
         <p:nvSpPr>
-          <p:cNvPr id="182" name="PlaceHolder 5"/>
+          <p:cNvPr id="185" name="PlaceHolder 5"/>
           <p:cNvSpPr>
             <a:spLocks noGrp="1"/>
           </p:cNvSpPr>
@@ -19692,7 +19777,7 @@
         <p:spPr>
           <a:xfrm>
             <a:off x="8153280" y="6537240"/>
-            <a:ext cx="836640" cy="166680"/>
+            <a:ext cx="836280" cy="166320"/>
           </a:xfrm>
           <a:prstGeom prst="rect">
             <a:avLst/>
@@ -19733,7 +19818,7 @@
                 <a:tab algn="l" pos="0"/>
               </a:tabLst>
             </a:pPr>
-            <a:fld id="{F066741E-B686-484C-9FD6-21724FBB3C6B}" type="slidenum">
+            <a:fld id="{CE32B0EE-694B-43EF-A830-B8F26607AA15}" type="slidenum">
               <a:rPr b="0" lang="en-US" sz="1400" spc="-1" strike="noStrike">
                 <a:solidFill>
                   <a:srgbClr val="000000"/>
@@ -19753,7 +19838,7 @@
       </p:sp>
       <p:pic>
         <p:nvPicPr>
-          <p:cNvPr id="183" name="" descr=""/>
+          <p:cNvPr id="186" name="" descr=""/>
           <p:cNvPicPr/>
           <p:nvPr/>
         </p:nvPicPr>
@@ -19764,7 +19849,7 @@
         <p:spPr>
           <a:xfrm>
             <a:off x="4572000" y="2676960"/>
-            <a:ext cx="4105080" cy="3266640"/>
+            <a:ext cx="4104720" cy="3266280"/>
           </a:xfrm>
           <a:prstGeom prst="rect">
             <a:avLst/>
@@ -19776,14 +19861,14 @@
       </p:pic>
       <p:sp>
         <p:nvSpPr>
-          <p:cNvPr id="184" name="PlaceHolder 28"/>
-          <p:cNvSpPr txBox="1"/>
+          <p:cNvPr id="187" name="PlaceHolder 28"/>
+          <p:cNvSpPr/>
           <p:nvPr/>
         </p:nvSpPr>
         <p:spPr>
           <a:xfrm>
             <a:off x="338040" y="2286000"/>
-            <a:ext cx="4005360" cy="2135160"/>
+            <a:ext cx="4005000" cy="2134800"/>
           </a:xfrm>
           <a:prstGeom prst="rect">
             <a:avLst/>
@@ -19793,24 +19878,24 @@
             <a:noFill/>
           </a:ln>
         </p:spPr>
+        <p:style>
+          <a:lnRef idx="0"/>
+          <a:fillRef idx="0"/>
+          <a:effectRef idx="0"/>
+          <a:fontRef idx="minor"/>
+        </p:style>
         <p:txBody>
           <a:bodyPr lIns="90000" rIns="90000" tIns="45000" bIns="45000" anchor="t">
             <a:noAutofit/>
           </a:bodyPr>
           <a:p>
-            <a:pPr marL="290520" indent="-290160">
+            <a:pPr>
               <a:lnSpc>
                 <a:spcPct val="100000"/>
               </a:lnSpc>
               <a:spcBef>
                 <a:spcPts val="1417"/>
               </a:spcBef>
-              <a:buClr>
-                <a:srgbClr val="255d90"/>
-              </a:buClr>
-              <a:buSzPct val="65000"/>
-              <a:buFont typeface="Monotype Sorts" charset="2"/>
-              <a:buChar char=""/>
             </a:pPr>
             <a:endParaRPr b="0" lang="en-US" sz="2000" spc="-1" strike="noStrike">
               <a:solidFill>
@@ -19831,7 +19916,7 @@
                 <a:srgbClr val="000000"/>
               </a:buClr>
               <a:buSzPct val="75000"/>
-              <a:buFont typeface="Symbol" charset="2"/>
+              <a:buFont typeface="Symbol"/>
               <a:buChar char=""/>
             </a:pPr>
             <a:r>
@@ -19862,7 +19947,7 @@
                 <a:srgbClr val="000000"/>
               </a:buClr>
               <a:buSzPct val="75000"/>
-              <a:buFont typeface="Symbol" charset="2"/>
+              <a:buFont typeface="Symbol"/>
               <a:buChar char=""/>
             </a:pPr>
             <a:r>
@@ -19882,19 +19967,13 @@
             </a:endParaRPr>
           </a:p>
           <a:p>
-            <a:pPr marL="290520" indent="-290160">
+            <a:pPr>
               <a:lnSpc>
                 <a:spcPct val="100000"/>
               </a:lnSpc>
               <a:spcBef>
                 <a:spcPts val="1100"/>
               </a:spcBef>
-              <a:buClr>
-                <a:srgbClr val="255d90"/>
-              </a:buClr>
-              <a:buSzPct val="65000"/>
-              <a:buFont typeface="Monotype Sorts" charset="2"/>
-              <a:buChar char=""/>
             </a:pPr>
             <a:endParaRPr b="0" lang="en-US" sz="2000" spc="-1" strike="noStrike">
               <a:solidFill>
@@ -19937,7 +20016,7 @@
       </p:grpSpPr>
       <p:sp>
         <p:nvSpPr>
-          <p:cNvPr id="185" name="PlaceHolder 1"/>
+          <p:cNvPr id="188" name="PlaceHolder 1"/>
           <p:cNvSpPr>
             <a:spLocks noGrp="1"/>
           </p:cNvSpPr>
@@ -19948,7 +20027,7 @@
         <p:spPr>
           <a:xfrm>
             <a:off x="338040" y="318960"/>
-            <a:ext cx="8577360" cy="578160"/>
+            <a:ext cx="8577000" cy="577800"/>
           </a:xfrm>
           <a:prstGeom prst="rect">
             <a:avLst/>
@@ -19992,7 +20071,7 @@
       </p:sp>
       <p:sp>
         <p:nvSpPr>
-          <p:cNvPr id="186" name="PlaceHolder 2"/>
+          <p:cNvPr id="189" name="PlaceHolder 2"/>
           <p:cNvSpPr>
             <a:spLocks noGrp="1"/>
           </p:cNvSpPr>
@@ -20003,7 +20082,7 @@
         <p:spPr>
           <a:xfrm>
             <a:off x="338040" y="993240"/>
-            <a:ext cx="8439120" cy="5181840"/>
+            <a:ext cx="8438760" cy="5181480"/>
           </a:xfrm>
           <a:prstGeom prst="rect">
             <a:avLst/>
@@ -20205,7 +20284,7 @@
       </p:sp>
       <p:sp>
         <p:nvSpPr>
-          <p:cNvPr id="187" name="PlaceHolder 3"/>
+          <p:cNvPr id="190" name="PlaceHolder 3"/>
           <p:cNvSpPr>
             <a:spLocks noGrp="1"/>
           </p:cNvSpPr>
@@ -20216,7 +20295,7 @@
         <p:spPr>
           <a:xfrm>
             <a:off x="1371600" y="6553080"/>
-            <a:ext cx="4646880" cy="166680"/>
+            <a:ext cx="4646520" cy="166320"/>
           </a:xfrm>
           <a:prstGeom prst="rect">
             <a:avLst/>
@@ -20277,7 +20356,7 @@
       </p:sp>
       <p:sp>
         <p:nvSpPr>
-          <p:cNvPr id="188" name="PlaceHolder 4"/>
+          <p:cNvPr id="191" name="PlaceHolder 4"/>
           <p:cNvSpPr>
             <a:spLocks noGrp="1"/>
           </p:cNvSpPr>
@@ -20288,7 +20367,7 @@
         <p:spPr>
           <a:xfrm>
             <a:off x="6172200" y="6534000"/>
-            <a:ext cx="1675080" cy="169920"/>
+            <a:ext cx="1674720" cy="169560"/>
           </a:xfrm>
           <a:prstGeom prst="rect">
             <a:avLst/>
@@ -20349,7 +20428,7 @@
       </p:sp>
       <p:sp>
         <p:nvSpPr>
-          <p:cNvPr id="189" name="PlaceHolder 5"/>
+          <p:cNvPr id="192" name="PlaceHolder 5"/>
           <p:cNvSpPr>
             <a:spLocks noGrp="1"/>
           </p:cNvSpPr>
@@ -20360,7 +20439,7 @@
         <p:spPr>
           <a:xfrm>
             <a:off x="8153280" y="6537240"/>
-            <a:ext cx="836640" cy="166680"/>
+            <a:ext cx="836280" cy="166320"/>
           </a:xfrm>
           <a:prstGeom prst="rect">
             <a:avLst/>
@@ -20401,7 +20480,7 @@
                 <a:tab algn="l" pos="0"/>
               </a:tabLst>
             </a:pPr>
-            <a:fld id="{95C6DB5A-FDF1-4501-AF0F-645598AE4046}" type="slidenum">
+            <a:fld id="{9D486E5F-6914-42F8-8979-1825D651DB78}" type="slidenum">
               <a:rPr b="0" lang="en-US" sz="1400" spc="-1" strike="noStrike">
                 <a:solidFill>
                   <a:srgbClr val="000000"/>
